--- a/Apresentação/Limpeza e Organização.pptx
+++ b/Apresentação/Limpeza e Organização.pptx
@@ -10,12 +10,9 @@
     <p:sldId id="258" r:id="rId4"/>
     <p:sldId id="262" r:id="rId5"/>
     <p:sldId id="257" r:id="rId6"/>
-    <p:sldId id="263" r:id="rId7"/>
-    <p:sldId id="259" r:id="rId8"/>
-    <p:sldId id="264" r:id="rId9"/>
-    <p:sldId id="260" r:id="rId10"/>
-    <p:sldId id="265" r:id="rId11"/>
-    <p:sldId id="261" r:id="rId12"/>
+    <p:sldId id="259" r:id="rId7"/>
+    <p:sldId id="260" r:id="rId8"/>
+    <p:sldId id="261" r:id="rId9"/>
   </p:sldIdLst>
   <p:sldSz cx="12192000" cy="6858000"/>
   <p:notesSz cx="6858000" cy="9144000"/>
@@ -4521,626 +4518,6 @@
 </p:sld>
 </file>
 
-<file path=ppt/slides/slide10.xml><?xml version="1.0" encoding="utf-8"?>
-<p:sld xmlns:a="http://schemas.openxmlformats.org/drawingml/2006/main" xmlns:r="http://schemas.openxmlformats.org/officeDocument/2006/relationships" xmlns:p="http://schemas.openxmlformats.org/presentationml/2006/main">
-  <p:cSld>
-    <p:spTree>
-      <p:nvGrpSpPr>
-        <p:cNvPr id="1" name=""/>
-        <p:cNvGrpSpPr/>
-        <p:nvPr/>
-      </p:nvGrpSpPr>
-      <p:grpSpPr>
-        <a:xfrm>
-          <a:off x="0" y="0"/>
-          <a:ext cx="0" cy="0"/>
-          <a:chOff x="0" y="0"/>
-          <a:chExt cx="0" cy="0"/>
-        </a:xfrm>
-      </p:grpSpPr>
-      <p:sp>
-        <p:nvSpPr>
-          <p:cNvPr id="2" name="Título 1">
-            <a:extLst>
-              <a:ext uri="{FF2B5EF4-FFF2-40B4-BE49-F238E27FC236}">
-                <a16:creationId xmlns:a16="http://schemas.microsoft.com/office/drawing/2014/main" id="{350B2019-3E02-4AA1-A68F-EAAF46D6B4BF}"/>
-              </a:ext>
-            </a:extLst>
-          </p:cNvPr>
-          <p:cNvSpPr>
-            <a:spLocks noGrp="1"/>
-          </p:cNvSpPr>
-          <p:nvPr>
-            <p:ph type="title"/>
-          </p:nvPr>
-        </p:nvSpPr>
-        <p:spPr/>
-        <p:txBody>
-          <a:bodyPr/>
-          <a:lstStyle/>
-          <a:p>
-            <a:endParaRPr lang="pt-BR" dirty="0"/>
-          </a:p>
-        </p:txBody>
-      </p:sp>
-      <p:sp>
-        <p:nvSpPr>
-          <p:cNvPr id="3" name="Espaço Reservado para Conteúdo 2">
-            <a:extLst>
-              <a:ext uri="{FF2B5EF4-FFF2-40B4-BE49-F238E27FC236}">
-                <a16:creationId xmlns:a16="http://schemas.microsoft.com/office/drawing/2014/main" id="{7708B7FC-ACAB-4BB0-BC4D-AD6874A4CE2C}"/>
-              </a:ext>
-            </a:extLst>
-          </p:cNvPr>
-          <p:cNvSpPr>
-            <a:spLocks noGrp="1"/>
-          </p:cNvSpPr>
-          <p:nvPr>
-            <p:ph idx="1"/>
-          </p:nvPr>
-        </p:nvSpPr>
-        <p:spPr/>
-        <p:txBody>
-          <a:bodyPr/>
-          <a:lstStyle/>
-          <a:p>
-            <a:endParaRPr lang="pt-BR" dirty="0"/>
-          </a:p>
-        </p:txBody>
-      </p:sp>
-    </p:spTree>
-    <p:extLst>
-      <p:ext uri="{BB962C8B-B14F-4D97-AF65-F5344CB8AC3E}">
-        <p14:creationId xmlns:p14="http://schemas.microsoft.com/office/powerpoint/2010/main" val="2334077673"/>
-      </p:ext>
-    </p:extLst>
-  </p:cSld>
-  <p:clrMapOvr>
-    <a:masterClrMapping/>
-  </p:clrMapOvr>
-</p:sld>
-</file>
-
-<file path=ppt/slides/slide11.xml><?xml version="1.0" encoding="utf-8"?>
-<p:sld xmlns:a="http://schemas.openxmlformats.org/drawingml/2006/main" xmlns:r="http://schemas.openxmlformats.org/officeDocument/2006/relationships" xmlns:p="http://schemas.openxmlformats.org/presentationml/2006/main">
-  <p:cSld>
-    <p:bg>
-      <p:bgPr>
-        <a:solidFill>
-          <a:schemeClr val="bg1"/>
-        </a:solidFill>
-        <a:effectLst/>
-      </p:bgPr>
-    </p:bg>
-    <p:spTree>
-      <p:nvGrpSpPr>
-        <p:cNvPr id="1" name=""/>
-        <p:cNvGrpSpPr/>
-        <p:nvPr/>
-      </p:nvGrpSpPr>
-      <p:grpSpPr>
-        <a:xfrm>
-          <a:off x="0" y="0"/>
-          <a:ext cx="0" cy="0"/>
-          <a:chOff x="0" y="0"/>
-          <a:chExt cx="0" cy="0"/>
-        </a:xfrm>
-      </p:grpSpPr>
-      <p:sp useBgFill="1">
-        <p:nvSpPr>
-          <p:cNvPr id="21" name="Rectangle 20">
-            <a:extLst>
-              <a:ext uri="{FF2B5EF4-FFF2-40B4-BE49-F238E27FC236}">
-                <a16:creationId xmlns:a16="http://schemas.microsoft.com/office/drawing/2014/main" id="{A1D7EC86-7CB9-431D-8AC3-8AAF0440B162}"/>
-              </a:ext>
-              <a:ext uri="{C183D7F6-B498-43B3-948B-1728B52AA6E4}">
-                <adec:decorative xmlns:adec="http://schemas.microsoft.com/office/drawing/2017/decorative" val="1"/>
-              </a:ext>
-            </a:extLst>
-          </p:cNvPr>
-          <p:cNvSpPr>
-            <a:spLocks noGrp="1" noRot="1" noChangeAspect="1" noMove="1" noResize="1" noEditPoints="1" noAdjustHandles="1" noChangeArrowheads="1" noChangeShapeType="1" noTextEdit="1"/>
-          </p:cNvSpPr>
-          <p:nvPr>
-            <p:extLst>
-              <p:ext uri="{386F3935-93C4-4BCD-93E2-E3B085C9AB24}">
-                <p16:designElem xmlns:p16="http://schemas.microsoft.com/office/powerpoint/2015/main" val="1"/>
-              </p:ext>
-            </p:extLst>
-          </p:nvPr>
-        </p:nvSpPr>
-        <p:spPr>
-          <a:xfrm>
-            <a:off x="0" y="0"/>
-            <a:ext cx="12192000" cy="6858000"/>
-          </a:xfrm>
-          <a:prstGeom prst="rect">
-            <a:avLst/>
-          </a:prstGeom>
-        </p:spPr>
-        <p:style>
-          <a:lnRef idx="2">
-            <a:schemeClr val="accent1">
-              <a:shade val="50000"/>
-            </a:schemeClr>
-          </a:lnRef>
-          <a:fillRef idx="1">
-            <a:schemeClr val="accent1"/>
-          </a:fillRef>
-          <a:effectRef idx="0">
-            <a:schemeClr val="accent1"/>
-          </a:effectRef>
-          <a:fontRef idx="minor">
-            <a:schemeClr val="lt1"/>
-          </a:fontRef>
-        </p:style>
-        <p:txBody>
-          <a:bodyPr rtlCol="0" anchor="ctr"/>
-          <a:lstStyle/>
-          <a:p>
-            <a:pPr algn="ctr"/>
-            <a:endParaRPr lang="en-US"/>
-          </a:p>
-        </p:txBody>
-      </p:sp>
-      <p:sp useBgFill="1">
-        <p:nvSpPr>
-          <p:cNvPr id="23" name="Rectangle 22">
-            <a:extLst>
-              <a:ext uri="{FF2B5EF4-FFF2-40B4-BE49-F238E27FC236}">
-                <a16:creationId xmlns:a16="http://schemas.microsoft.com/office/drawing/2014/main" id="{D4B9777F-B610-419B-9193-80306388F3E2}"/>
-              </a:ext>
-              <a:ext uri="{C183D7F6-B498-43B3-948B-1728B52AA6E4}">
-                <adec:decorative xmlns:adec="http://schemas.microsoft.com/office/drawing/2017/decorative" val="1"/>
-              </a:ext>
-            </a:extLst>
-          </p:cNvPr>
-          <p:cNvSpPr>
-            <a:spLocks noGrp="1" noRot="1" noChangeAspect="1" noMove="1" noResize="1" noEditPoints="1" noAdjustHandles="1" noChangeArrowheads="1" noChangeShapeType="1" noTextEdit="1"/>
-          </p:cNvSpPr>
-          <p:nvPr>
-            <p:extLst>
-              <p:ext uri="{386F3935-93C4-4BCD-93E2-E3B085C9AB24}">
-                <p16:designElem xmlns:p16="http://schemas.microsoft.com/office/powerpoint/2015/main" val="1"/>
-              </p:ext>
-            </p:extLst>
-          </p:nvPr>
-        </p:nvSpPr>
-        <p:spPr>
-          <a:xfrm>
-            <a:off x="0" y="0"/>
-            <a:ext cx="12192000" cy="6858000"/>
-          </a:xfrm>
-          <a:prstGeom prst="rect">
-            <a:avLst/>
-          </a:prstGeom>
-          <a:ln>
-            <a:noFill/>
-          </a:ln>
-        </p:spPr>
-        <p:style>
-          <a:lnRef idx="2">
-            <a:schemeClr val="accent1">
-              <a:shade val="50000"/>
-            </a:schemeClr>
-          </a:lnRef>
-          <a:fillRef idx="1">
-            <a:schemeClr val="accent1"/>
-          </a:fillRef>
-          <a:effectRef idx="0">
-            <a:schemeClr val="accent1"/>
-          </a:effectRef>
-          <a:fontRef idx="minor">
-            <a:schemeClr val="lt1"/>
-          </a:fontRef>
-        </p:style>
-        <p:txBody>
-          <a:bodyPr rtlCol="0" anchor="ctr"/>
-          <a:lstStyle/>
-          <a:p>
-            <a:pPr algn="ctr"/>
-            <a:endParaRPr lang="en-US" dirty="0"/>
-          </a:p>
-        </p:txBody>
-      </p:sp>
-      <p:sp>
-        <p:nvSpPr>
-          <p:cNvPr id="25" name="Arc 24">
-            <a:extLst>
-              <a:ext uri="{FF2B5EF4-FFF2-40B4-BE49-F238E27FC236}">
-                <a16:creationId xmlns:a16="http://schemas.microsoft.com/office/drawing/2014/main" id="{311F016A-A753-449B-9EA6-322199B7119E}"/>
-              </a:ext>
-              <a:ext uri="{C183D7F6-B498-43B3-948B-1728B52AA6E4}">
-                <adec:decorative xmlns:adec="http://schemas.microsoft.com/office/drawing/2017/decorative" val="1"/>
-              </a:ext>
-            </a:extLst>
-          </p:cNvPr>
-          <p:cNvSpPr>
-            <a:spLocks noGrp="1" noRot="1" noChangeAspect="1" noMove="1" noResize="1" noEditPoints="1" noAdjustHandles="1" noChangeArrowheads="1" noChangeShapeType="1" noTextEdit="1"/>
-          </p:cNvSpPr>
-          <p:nvPr>
-            <p:extLst>
-              <p:ext uri="{386F3935-93C4-4BCD-93E2-E3B085C9AB24}">
-                <p16:designElem xmlns:p16="http://schemas.microsoft.com/office/powerpoint/2015/main" val="1"/>
-              </p:ext>
-            </p:extLst>
-          </p:nvPr>
-        </p:nvSpPr>
-        <p:spPr>
-          <a:xfrm rot="21427715">
-            <a:off x="1108520" y="775849"/>
-            <a:ext cx="2987899" cy="2987899"/>
-          </a:xfrm>
-          <a:prstGeom prst="arc">
-            <a:avLst>
-              <a:gd name="adj1" fmla="val 16200000"/>
-              <a:gd name="adj2" fmla="val 2287352"/>
-            </a:avLst>
-          </a:prstGeom>
-          <a:ln w="127000" cap="rnd">
-            <a:solidFill>
-              <a:schemeClr val="accent4"/>
-            </a:solidFill>
-            <a:prstDash val="dash"/>
-            <a:miter lim="800000"/>
-          </a:ln>
-        </p:spPr>
-        <p:style>
-          <a:lnRef idx="1">
-            <a:schemeClr val="accent1"/>
-          </a:lnRef>
-          <a:fillRef idx="0">
-            <a:schemeClr val="accent1"/>
-          </a:fillRef>
-          <a:effectRef idx="0">
-            <a:schemeClr val="accent1"/>
-          </a:effectRef>
-          <a:fontRef idx="minor">
-            <a:schemeClr val="tx1"/>
-          </a:fontRef>
-        </p:style>
-        <p:txBody>
-          <a:bodyPr rtlCol="0" anchor="ctr"/>
-          <a:lstStyle/>
-          <a:p>
-            <a:pPr marL="0" marR="0" lvl="0" indent="0" algn="ctr" defTabSz="914400" rtl="0" eaLnBrk="1" fontAlgn="auto" latinLnBrk="0" hangingPunct="1">
-              <a:lnSpc>
-                <a:spcPct val="100000"/>
-              </a:lnSpc>
-              <a:spcBef>
-                <a:spcPts val="0"/>
-              </a:spcBef>
-              <a:spcAft>
-                <a:spcPts val="0"/>
-              </a:spcAft>
-              <a:buClrTx/>
-              <a:buSzTx/>
-              <a:buFontTx/>
-              <a:buNone/>
-              <a:tabLst/>
-              <a:defRPr/>
-            </a:pPr>
-            <a:endParaRPr kumimoji="0" lang="en-US" sz="1800" b="0" i="0" u="none" strike="noStrike" kern="1200" cap="none" spc="0" normalizeH="0" baseline="0" noProof="0">
-              <a:ln>
-                <a:noFill/>
-              </a:ln>
-              <a:solidFill>
-                <a:srgbClr val="000000"/>
-              </a:solidFill>
-              <a:effectLst/>
-              <a:uLnTx/>
-              <a:uFillTx/>
-              <a:latin typeface="Calibri" panose="020F0502020204030204"/>
-              <a:ea typeface="+mn-ea"/>
-              <a:cs typeface="+mn-cs"/>
-            </a:endParaRPr>
-          </a:p>
-        </p:txBody>
-      </p:sp>
-      <p:sp>
-        <p:nvSpPr>
-          <p:cNvPr id="2" name="Título 1">
-            <a:extLst>
-              <a:ext uri="{FF2B5EF4-FFF2-40B4-BE49-F238E27FC236}">
-                <a16:creationId xmlns:a16="http://schemas.microsoft.com/office/drawing/2014/main" id="{CA3F7024-406B-446D-85F1-3B8C8E90F64F}"/>
-              </a:ext>
-            </a:extLst>
-          </p:cNvPr>
-          <p:cNvSpPr>
-            <a:spLocks noGrp="1"/>
-          </p:cNvSpPr>
-          <p:nvPr>
-            <p:ph type="title"/>
-          </p:nvPr>
-        </p:nvSpPr>
-        <p:spPr>
-          <a:xfrm>
-            <a:off x="860742" y="1124988"/>
-            <a:ext cx="4425962" cy="2387600"/>
-          </a:xfrm>
-        </p:spPr>
-        <p:txBody>
-          <a:bodyPr vert="horz" lIns="91440" tIns="45720" rIns="91440" bIns="45720" rtlCol="0" anchor="b">
-            <a:normAutofit/>
-          </a:bodyPr>
-          <a:lstStyle/>
-          <a:p>
-            <a:r>
-              <a:rPr lang="en-US" sz="6000"/>
-              <a:t>Fim da apresentação</a:t>
-            </a:r>
-          </a:p>
-        </p:txBody>
-      </p:sp>
-      <p:pic>
-        <p:nvPicPr>
-          <p:cNvPr id="17" name="Picture 16">
-            <a:extLst>
-              <a:ext uri="{FF2B5EF4-FFF2-40B4-BE49-F238E27FC236}">
-                <a16:creationId xmlns:a16="http://schemas.microsoft.com/office/drawing/2014/main" id="{361387AF-3B99-462A-9AA4-9D7AFE9E794D}"/>
-              </a:ext>
-            </a:extLst>
-          </p:cNvPr>
-          <p:cNvPicPr>
-            <a:picLocks noChangeAspect="1"/>
-          </p:cNvPicPr>
-          <p:nvPr/>
-        </p:nvPicPr>
-        <p:blipFill>
-          <a:blip r:embed="rId2">
-            <a:extLst>
-              <a:ext uri="{28A0092B-C50C-407E-A947-70E740481C1C}">
-                <a14:useLocalDpi xmlns:a14="http://schemas.microsoft.com/office/drawing/2010/main" val="0"/>
-              </a:ext>
-            </a:extLst>
-          </a:blip>
-          <a:stretch/>
-        </p:blipFill>
-        <p:spPr>
-          <a:xfrm>
-            <a:off x="6975675" y="264885"/>
-            <a:ext cx="5175953" cy="5182049"/>
-          </a:xfrm>
-          <a:custGeom>
-            <a:avLst/>
-            <a:gdLst/>
-            <a:ahLst/>
-            <a:cxnLst/>
-            <a:rect l="l" t="t" r="r" b="b"/>
-            <a:pathLst>
-              <a:path w="6458232" h="6858001">
-                <a:moveTo>
-                  <a:pt x="2209000" y="0"/>
-                </a:moveTo>
-                <a:lnTo>
-                  <a:pt x="6458232" y="0"/>
-                </a:lnTo>
-                <a:lnTo>
-                  <a:pt x="6458232" y="6858001"/>
-                </a:lnTo>
-                <a:lnTo>
-                  <a:pt x="651045" y="6858001"/>
-                </a:lnTo>
-                <a:lnTo>
-                  <a:pt x="635146" y="6830200"/>
-                </a:lnTo>
-                <a:cubicBezTo>
-                  <a:pt x="230085" y="6080469"/>
-                  <a:pt x="0" y="5221296"/>
-                  <a:pt x="0" y="4308089"/>
-                </a:cubicBezTo>
-                <a:cubicBezTo>
-                  <a:pt x="0" y="2572997"/>
-                  <a:pt x="830606" y="1032965"/>
-                  <a:pt x="2113832" y="68046"/>
-                </a:cubicBezTo>
-                <a:close/>
-              </a:path>
-            </a:pathLst>
-          </a:custGeom>
-          <a:effectLst>
-            <a:reflection stA="99000" endPos="65000" dist="50800" dir="5400000" sy="-100000" algn="bl" rotWithShape="0"/>
-          </a:effectLst>
-        </p:spPr>
-      </p:pic>
-      <p:sp>
-        <p:nvSpPr>
-          <p:cNvPr id="27" name="Rectangle 26">
-            <a:extLst>
-              <a:ext uri="{FF2B5EF4-FFF2-40B4-BE49-F238E27FC236}">
-                <a16:creationId xmlns:a16="http://schemas.microsoft.com/office/drawing/2014/main" id="{95106A28-883A-4993-BF9E-C403B81A8D66}"/>
-              </a:ext>
-              <a:ext uri="{C183D7F6-B498-43B3-948B-1728B52AA6E4}">
-                <adec:decorative xmlns:adec="http://schemas.microsoft.com/office/drawing/2017/decorative" val="1"/>
-              </a:ext>
-            </a:extLst>
-          </p:cNvPr>
-          <p:cNvSpPr>
-            <a:spLocks noGrp="1" noRot="1" noChangeAspect="1" noMove="1" noResize="1" noEditPoints="1" noAdjustHandles="1" noChangeArrowheads="1" noChangeShapeType="1" noTextEdit="1"/>
-          </p:cNvSpPr>
-          <p:nvPr>
-            <p:extLst>
-              <p:ext uri="{386F3935-93C4-4BCD-93E2-E3B085C9AB24}">
-                <p16:designElem xmlns:p16="http://schemas.microsoft.com/office/powerpoint/2015/main" val="1"/>
-              </p:ext>
-            </p:extLst>
-          </p:nvPr>
-        </p:nvSpPr>
-        <p:spPr>
-          <a:xfrm>
-            <a:off x="5394269" y="4274457"/>
-            <a:ext cx="825256" cy="825256"/>
-          </a:xfrm>
-          <a:prstGeom prst="rect">
-            <a:avLst/>
-          </a:prstGeom>
-          <a:noFill/>
-          <a:ln w="127000">
-            <a:solidFill>
-              <a:schemeClr val="accent6"/>
-            </a:solidFill>
-            <a:round/>
-          </a:ln>
-        </p:spPr>
-        <p:style>
-          <a:lnRef idx="2">
-            <a:schemeClr val="accent1">
-              <a:shade val="50000"/>
-            </a:schemeClr>
-          </a:lnRef>
-          <a:fillRef idx="1">
-            <a:schemeClr val="accent1"/>
-          </a:fillRef>
-          <a:effectRef idx="0">
-            <a:schemeClr val="accent1"/>
-          </a:effectRef>
-          <a:fontRef idx="minor">
-            <a:schemeClr val="lt1"/>
-          </a:fontRef>
-        </p:style>
-        <p:txBody>
-          <a:bodyPr rtlCol="0" anchor="ctr"/>
-          <a:lstStyle/>
-          <a:p>
-            <a:pPr marL="0" marR="0" lvl="0" indent="0" algn="ctr" defTabSz="914400" rtl="0" eaLnBrk="1" fontAlgn="auto" latinLnBrk="0" hangingPunct="1">
-              <a:lnSpc>
-                <a:spcPct val="100000"/>
-              </a:lnSpc>
-              <a:spcBef>
-                <a:spcPts val="0"/>
-              </a:spcBef>
-              <a:spcAft>
-                <a:spcPts val="0"/>
-              </a:spcAft>
-              <a:buClrTx/>
-              <a:buSzTx/>
-              <a:buFontTx/>
-              <a:buNone/>
-              <a:tabLst/>
-              <a:defRPr/>
-            </a:pPr>
-            <a:endParaRPr kumimoji="0" lang="en-US" sz="1800" b="0" i="0" u="none" strike="noStrike" kern="1200" cap="none" spc="0" normalizeH="0" baseline="0" noProof="0">
-              <a:ln>
-                <a:noFill/>
-              </a:ln>
-              <a:solidFill>
-                <a:srgbClr val="FFFFFF"/>
-              </a:solidFill>
-              <a:effectLst/>
-              <a:uLnTx/>
-              <a:uFillTx/>
-              <a:latin typeface="Calibri" panose="020F0502020204030204"/>
-              <a:ea typeface="+mn-ea"/>
-              <a:cs typeface="+mn-cs"/>
-            </a:endParaRPr>
-          </a:p>
-        </p:txBody>
-      </p:sp>
-      <p:sp>
-        <p:nvSpPr>
-          <p:cNvPr id="29" name="Oval 28">
-            <a:extLst>
-              <a:ext uri="{FF2B5EF4-FFF2-40B4-BE49-F238E27FC236}">
-                <a16:creationId xmlns:a16="http://schemas.microsoft.com/office/drawing/2014/main" id="{F5AE4E4F-9F4C-43ED-8299-9BD63B74E8F0}"/>
-              </a:ext>
-              <a:ext uri="{C183D7F6-B498-43B3-948B-1728B52AA6E4}">
-                <adec:decorative xmlns:adec="http://schemas.microsoft.com/office/drawing/2017/decorative" val="1"/>
-              </a:ext>
-            </a:extLst>
-          </p:cNvPr>
-          <p:cNvSpPr>
-            <a:spLocks noGrp="1" noRot="1" noChangeAspect="1" noMove="1" noResize="1" noEditPoints="1" noAdjustHandles="1" noChangeArrowheads="1" noChangeShapeType="1" noTextEdit="1"/>
-          </p:cNvSpPr>
-          <p:nvPr>
-            <p:extLst>
-              <p:ext uri="{386F3935-93C4-4BCD-93E2-E3B085C9AB24}">
-                <p16:designElem xmlns:p16="http://schemas.microsoft.com/office/powerpoint/2015/main" val="1"/>
-              </p:ext>
-            </p:extLst>
-          </p:nvPr>
-        </p:nvSpPr>
-        <p:spPr>
-          <a:xfrm>
-            <a:off x="860742" y="5649686"/>
-            <a:ext cx="546100" cy="546100"/>
-          </a:xfrm>
-          <a:prstGeom prst="ellipse">
-            <a:avLst/>
-          </a:prstGeom>
-          <a:solidFill>
-            <a:schemeClr val="accent5"/>
-          </a:solidFill>
-          <a:ln>
-            <a:noFill/>
-          </a:ln>
-        </p:spPr>
-        <p:style>
-          <a:lnRef idx="2">
-            <a:schemeClr val="accent1">
-              <a:shade val="50000"/>
-            </a:schemeClr>
-          </a:lnRef>
-          <a:fillRef idx="1">
-            <a:schemeClr val="accent1"/>
-          </a:fillRef>
-          <a:effectRef idx="0">
-            <a:schemeClr val="accent1"/>
-          </a:effectRef>
-          <a:fontRef idx="minor">
-            <a:schemeClr val="lt1"/>
-          </a:fontRef>
-        </p:style>
-        <p:txBody>
-          <a:bodyPr rtlCol="0" anchor="ctr"/>
-          <a:lstStyle/>
-          <a:p>
-            <a:pPr marL="0" marR="0" lvl="0" indent="0" algn="ctr" defTabSz="914400" rtl="0" eaLnBrk="1" fontAlgn="auto" latinLnBrk="0" hangingPunct="1">
-              <a:lnSpc>
-                <a:spcPct val="100000"/>
-              </a:lnSpc>
-              <a:spcBef>
-                <a:spcPts val="0"/>
-              </a:spcBef>
-              <a:spcAft>
-                <a:spcPts val="0"/>
-              </a:spcAft>
-              <a:buClrTx/>
-              <a:buSzTx/>
-              <a:buFontTx/>
-              <a:buNone/>
-              <a:tabLst/>
-              <a:defRPr/>
-            </a:pPr>
-            <a:endParaRPr kumimoji="0" lang="en-US" sz="1800" b="0" i="0" u="none" strike="noStrike" kern="1200" cap="none" spc="0" normalizeH="0" baseline="0" noProof="0" dirty="0">
-              <a:ln>
-                <a:noFill/>
-              </a:ln>
-              <a:solidFill>
-                <a:srgbClr val="FFFFFF"/>
-              </a:solidFill>
-              <a:effectLst/>
-              <a:uLnTx/>
-              <a:uFillTx/>
-              <a:latin typeface="Calibri" panose="020F0502020204030204"/>
-              <a:ea typeface="+mn-ea"/>
-              <a:cs typeface="+mn-cs"/>
-            </a:endParaRPr>
-          </a:p>
-        </p:txBody>
-      </p:sp>
-    </p:spTree>
-    <p:extLst>
-      <p:ext uri="{BB962C8B-B14F-4D97-AF65-F5344CB8AC3E}">
-        <p14:creationId xmlns:p14="http://schemas.microsoft.com/office/powerpoint/2010/main" val="1233995293"/>
-      </p:ext>
-    </p:extLst>
-  </p:cSld>
-  <p:clrMapOvr>
-    <a:masterClrMapping/>
-  </p:clrMapOvr>
-</p:sld>
-</file>
-
 <file path=ppt/slides/slide2.xml><?xml version="1.0" encoding="utf-8"?>
 <p:sld xmlns:a="http://schemas.openxmlformats.org/drawingml/2006/main" xmlns:r="http://schemas.openxmlformats.org/officeDocument/2006/relationships" xmlns:p="http://schemas.openxmlformats.org/presentationml/2006/main">
   <p:cSld>
@@ -7153,27 +6530,27 @@
         </p:nvSpPr>
         <p:spPr>
           <a:xfrm>
-            <a:off x="4038600" y="1939159"/>
-            <a:ext cx="7644627" cy="2751086"/>
+            <a:off x="4070619" y="3002860"/>
+            <a:ext cx="4559535" cy="431282"/>
           </a:xfrm>
         </p:spPr>
         <p:txBody>
           <a:bodyPr vert="horz" lIns="91440" tIns="45720" rIns="91440" bIns="45720" rtlCol="0" anchor="b">
-            <a:normAutofit/>
+            <a:normAutofit fontScale="90000"/>
           </a:bodyPr>
           <a:lstStyle/>
           <a:p>
             <a:pPr algn="r"/>
             <a:r>
-              <a:rPr lang="en-US" sz="6000" dirty="0"/>
+              <a:rPr lang="en-US" sz="2800" dirty="0"/>
               <a:t>O </a:t>
             </a:r>
             <a:r>
-              <a:rPr lang="pt-BR" sz="6000" dirty="0"/>
+              <a:rPr lang="pt-BR" sz="2800" dirty="0"/>
               <a:t>a</a:t>
             </a:r>
             <a:r>
-              <a:rPr lang="pt-BR" sz="6000" kern="1200" dirty="0">
+              <a:rPr lang="pt-BR" sz="2800" kern="1200" dirty="0">
                 <a:solidFill>
                   <a:schemeClr val="tx1"/>
                 </a:solidFill>
@@ -7184,7 +6561,7 @@
               <a:t>mbiente</a:t>
             </a:r>
             <a:r>
-              <a:rPr lang="en-US" sz="6000" kern="1200" dirty="0">
+              <a:rPr lang="en-US" sz="2800" kern="1200" dirty="0">
                 <a:solidFill>
                   <a:schemeClr val="tx1"/>
                 </a:solidFill>
@@ -7195,7 +6572,7 @@
               <a:t> </a:t>
             </a:r>
             <a:r>
-              <a:rPr lang="pt-BR" sz="6000" kern="1200" dirty="0">
+              <a:rPr lang="pt-BR" sz="2800" kern="1200" dirty="0">
                 <a:solidFill>
                   <a:schemeClr val="tx1"/>
                 </a:solidFill>
@@ -7206,7 +6583,7 @@
               <a:t>também</a:t>
             </a:r>
             <a:r>
-              <a:rPr lang="en-US" sz="6000" kern="1200" dirty="0">
+              <a:rPr lang="en-US" sz="2800" kern="1200" dirty="0">
                 <a:solidFill>
                   <a:schemeClr val="tx1"/>
                 </a:solidFill>
@@ -7217,7 +6594,7 @@
               <a:t> se </a:t>
             </a:r>
             <a:r>
-              <a:rPr lang="pt-BR" sz="6000" kern="1200" dirty="0">
+              <a:rPr lang="pt-BR" sz="2800" kern="1200" dirty="0">
                 <a:solidFill>
                   <a:schemeClr val="tx1"/>
                 </a:solidFill>
@@ -7228,7 +6605,7 @@
               <a:t>comunica</a:t>
             </a:r>
             <a:r>
-              <a:rPr lang="en-US" sz="6000" kern="1200" dirty="0">
+              <a:rPr lang="en-US" sz="2800" kern="1200" dirty="0">
                 <a:solidFill>
                   <a:schemeClr val="tx1"/>
                 </a:solidFill>
@@ -7237,6 +6614,161 @@
                 <a:cs typeface="+mj-cs"/>
               </a:rPr>
               <a:t>. </a:t>
+            </a:r>
+          </a:p>
+        </p:txBody>
+      </p:sp>
+      <p:sp>
+        <p:nvSpPr>
+          <p:cNvPr id="9" name="Título 1">
+            <a:extLst>
+              <a:ext uri="{FF2B5EF4-FFF2-40B4-BE49-F238E27FC236}">
+                <a16:creationId xmlns:a16="http://schemas.microsoft.com/office/drawing/2014/main" id="{FBD44D34-6F0F-472E-9AAA-701FB12B5ADB}"/>
+              </a:ext>
+            </a:extLst>
+          </p:cNvPr>
+          <p:cNvSpPr txBox="1">
+            <a:spLocks/>
+          </p:cNvSpPr>
+          <p:nvPr/>
+        </p:nvSpPr>
+        <p:spPr>
+          <a:xfrm>
+            <a:off x="4001552" y="3570836"/>
+            <a:ext cx="4559535" cy="431282"/>
+          </a:xfrm>
+          <a:prstGeom prst="rect">
+            <a:avLst/>
+          </a:prstGeom>
+        </p:spPr>
+        <p:txBody>
+          <a:bodyPr vert="horz" lIns="91440" tIns="45720" rIns="91440" bIns="45720" rtlCol="0" anchor="b">
+            <a:normAutofit fontScale="82500" lnSpcReduction="10000"/>
+          </a:bodyPr>
+          <a:lstStyle>
+            <a:lvl1pPr algn="l" defTabSz="914400" rtl="0" eaLnBrk="1" latinLnBrk="0" hangingPunct="1">
+              <a:lnSpc>
+                <a:spcPct val="90000"/>
+              </a:lnSpc>
+              <a:spcBef>
+                <a:spcPct val="0"/>
+              </a:spcBef>
+              <a:buNone/>
+              <a:defRPr sz="4400" kern="1200">
+                <a:solidFill>
+                  <a:schemeClr val="tx1"/>
+                </a:solidFill>
+                <a:latin typeface="+mj-lt"/>
+                <a:ea typeface="+mj-ea"/>
+                <a:cs typeface="+mj-cs"/>
+              </a:defRPr>
+            </a:lvl1pPr>
+          </a:lstStyle>
+          <a:p>
+            <a:pPr algn="r"/>
+            <a:r>
+              <a:rPr lang="en-US" sz="2800" dirty="0" err="1"/>
+              <a:t>Problemas</a:t>
+            </a:r>
+            <a:r>
+              <a:rPr lang="en-US" sz="2800" dirty="0"/>
+              <a:t> </a:t>
+            </a:r>
+            <a:r>
+              <a:rPr lang="en-US" sz="2800" dirty="0" err="1"/>
+              <a:t>encontrados</a:t>
+            </a:r>
+            <a:r>
+              <a:rPr lang="en-US" sz="2800" dirty="0"/>
+              <a:t> no </a:t>
+            </a:r>
+            <a:r>
+              <a:rPr lang="en-US" sz="2800" dirty="0" err="1"/>
+              <a:t>ambiente</a:t>
+            </a:r>
+            <a:endParaRPr lang="en-US" sz="2800" dirty="0"/>
+          </a:p>
+        </p:txBody>
+      </p:sp>
+      <p:sp>
+        <p:nvSpPr>
+          <p:cNvPr id="20" name="Título 1">
+            <a:extLst>
+              <a:ext uri="{FF2B5EF4-FFF2-40B4-BE49-F238E27FC236}">
+                <a16:creationId xmlns:a16="http://schemas.microsoft.com/office/drawing/2014/main" id="{2AF9C84C-C0BB-4415-AAC0-BDF28F0BAB6C}"/>
+              </a:ext>
+            </a:extLst>
+          </p:cNvPr>
+          <p:cNvSpPr txBox="1">
+            <a:spLocks/>
+          </p:cNvSpPr>
+          <p:nvPr/>
+        </p:nvSpPr>
+        <p:spPr>
+          <a:xfrm>
+            <a:off x="304801" y="286772"/>
+            <a:ext cx="3557602" cy="431282"/>
+          </a:xfrm>
+          <a:prstGeom prst="rect">
+            <a:avLst/>
+          </a:prstGeom>
+        </p:spPr>
+        <p:txBody>
+          <a:bodyPr vert="horz" lIns="91440" tIns="45720" rIns="91440" bIns="45720" rtlCol="0" anchor="b">
+            <a:noAutofit/>
+          </a:bodyPr>
+          <a:lstStyle>
+            <a:lvl1pPr algn="l" defTabSz="914400" rtl="0" eaLnBrk="1" latinLnBrk="0" hangingPunct="1">
+              <a:lnSpc>
+                <a:spcPct val="90000"/>
+              </a:lnSpc>
+              <a:spcBef>
+                <a:spcPct val="0"/>
+              </a:spcBef>
+              <a:buNone/>
+              <a:defRPr sz="4400" kern="1200">
+                <a:solidFill>
+                  <a:schemeClr val="tx1"/>
+                </a:solidFill>
+                <a:latin typeface="+mj-lt"/>
+                <a:ea typeface="+mj-ea"/>
+                <a:cs typeface="+mj-cs"/>
+              </a:defRPr>
+            </a:lvl1pPr>
+          </a:lstStyle>
+          <a:p>
+            <a:pPr algn="r"/>
+            <a:r>
+              <a:rPr lang="en-US" sz="2800" dirty="0" err="1">
+                <a:solidFill>
+                  <a:schemeClr val="bg1"/>
+                </a:solidFill>
+              </a:rPr>
+              <a:t>Limpeza</a:t>
+            </a:r>
+            <a:r>
+              <a:rPr lang="en-US" sz="2800" dirty="0">
+                <a:solidFill>
+                  <a:schemeClr val="bg1"/>
+                </a:solidFill>
+              </a:rPr>
+              <a:t> e </a:t>
+            </a:r>
+            <a:r>
+              <a:rPr lang="en-US" sz="2800" dirty="0" err="1">
+                <a:solidFill>
+                  <a:schemeClr val="bg1"/>
+                </a:solidFill>
+              </a:rPr>
+              <a:t>Organização</a:t>
+            </a:r>
+            <a:r>
+              <a:rPr lang="en-US" sz="2800" dirty="0">
+                <a:solidFill>
+                  <a:schemeClr val="bg1"/>
+                </a:solidFill>
+              </a:rPr>
+              <a:t> </a:t>
             </a:r>
           </a:p>
         </p:txBody>
@@ -7251,6 +6783,130 @@
   <p:clrMapOvr>
     <a:masterClrMapping/>
   </p:clrMapOvr>
+  <p:timing>
+    <p:tnLst>
+      <p:par>
+        <p:cTn id="1" dur="indefinite" restart="never" nodeType="tmRoot">
+          <p:childTnLst>
+            <p:seq concurrent="1" nextAc="seek">
+              <p:cTn id="2" dur="indefinite" nodeType="mainSeq">
+                <p:childTnLst>
+                  <p:par>
+                    <p:cTn id="3" fill="hold">
+                      <p:stCondLst>
+                        <p:cond delay="indefinite"/>
+                      </p:stCondLst>
+                      <p:childTnLst>
+                        <p:par>
+                          <p:cTn id="4" fill="hold">
+                            <p:stCondLst>
+                              <p:cond delay="0"/>
+                            </p:stCondLst>
+                            <p:childTnLst>
+                              <p:par>
+                                <p:cTn id="5" presetID="1" presetClass="entr" presetSubtype="0" fill="hold" grpId="0" nodeType="clickEffect">
+                                  <p:stCondLst>
+                                    <p:cond delay="0"/>
+                                  </p:stCondLst>
+                                  <p:childTnLst>
+                                    <p:set>
+                                      <p:cBhvr>
+                                        <p:cTn id="6" dur="1" fill="hold">
+                                          <p:stCondLst>
+                                            <p:cond delay="0"/>
+                                          </p:stCondLst>
+                                        </p:cTn>
+                                        <p:tgtEl>
+                                          <p:spTgt spid="2"/>
+                                        </p:tgtEl>
+                                        <p:attrNameLst>
+                                          <p:attrName>style.visibility</p:attrName>
+                                        </p:attrNameLst>
+                                      </p:cBhvr>
+                                      <p:to>
+                                        <p:strVal val="visible"/>
+                                      </p:to>
+                                    </p:set>
+                                  </p:childTnLst>
+                                </p:cTn>
+                              </p:par>
+                            </p:childTnLst>
+                          </p:cTn>
+                        </p:par>
+                      </p:childTnLst>
+                    </p:cTn>
+                  </p:par>
+                  <p:par>
+                    <p:cTn id="7" fill="hold">
+                      <p:stCondLst>
+                        <p:cond delay="indefinite"/>
+                      </p:stCondLst>
+                      <p:childTnLst>
+                        <p:par>
+                          <p:cTn id="8" fill="hold">
+                            <p:stCondLst>
+                              <p:cond delay="0"/>
+                            </p:stCondLst>
+                            <p:childTnLst>
+                              <p:par>
+                                <p:cTn id="9" presetID="1" presetClass="entr" presetSubtype="0" fill="hold" grpId="0" nodeType="clickEffect">
+                                  <p:stCondLst>
+                                    <p:cond delay="0"/>
+                                  </p:stCondLst>
+                                  <p:childTnLst>
+                                    <p:set>
+                                      <p:cBhvr>
+                                        <p:cTn id="10" dur="1" fill="hold">
+                                          <p:stCondLst>
+                                            <p:cond delay="0"/>
+                                          </p:stCondLst>
+                                        </p:cTn>
+                                        <p:tgtEl>
+                                          <p:spTgt spid="9"/>
+                                        </p:tgtEl>
+                                        <p:attrNameLst>
+                                          <p:attrName>style.visibility</p:attrName>
+                                        </p:attrNameLst>
+                                      </p:cBhvr>
+                                      <p:to>
+                                        <p:strVal val="visible"/>
+                                      </p:to>
+                                    </p:set>
+                                  </p:childTnLst>
+                                </p:cTn>
+                              </p:par>
+                            </p:childTnLst>
+                          </p:cTn>
+                        </p:par>
+                      </p:childTnLst>
+                    </p:cTn>
+                  </p:par>
+                </p:childTnLst>
+              </p:cTn>
+              <p:prevCondLst>
+                <p:cond evt="onPrev" delay="0">
+                  <p:tgtEl>
+                    <p:sldTgt/>
+                  </p:tgtEl>
+                </p:cond>
+              </p:prevCondLst>
+              <p:nextCondLst>
+                <p:cond evt="onNext" delay="0">
+                  <p:tgtEl>
+                    <p:sldTgt/>
+                  </p:tgtEl>
+                </p:cond>
+              </p:nextCondLst>
+            </p:seq>
+          </p:childTnLst>
+        </p:cTn>
+      </p:par>
+    </p:tnLst>
+    <p:bldLst>
+      <p:bldP spid="2" grpId="0"/>
+      <p:bldP spid="9" grpId="0"/>
+    </p:bldLst>
+  </p:timing>
 </p:sld>
 </file>
 
@@ -7375,8 +7031,8 @@
         </p:blipFill>
         <p:spPr>
           <a:xfrm>
-            <a:off x="643467" y="680402"/>
-            <a:ext cx="5334930" cy="5334930"/>
+            <a:off x="10598726" y="5264726"/>
+            <a:ext cx="1593274" cy="1593274"/>
           </a:xfrm>
           <a:custGeom>
             <a:avLst/>
@@ -7526,8 +7182,8 @@
         </p:nvSpPr>
         <p:spPr>
           <a:xfrm>
-            <a:off x="6621863" y="643468"/>
-            <a:ext cx="4926669" cy="3433088"/>
+            <a:off x="3428535" y="203287"/>
+            <a:ext cx="5334930" cy="647556"/>
           </a:xfrm>
         </p:spPr>
         <p:txBody>
@@ -7537,7 +7193,15 @@
           <a:lstStyle/>
           <a:p>
             <a:pPr algn="ctr"/>
-            <a:endParaRPr lang="en-US" sz="6000">
+            <a:r>
+              <a:rPr lang="en-US" sz="3200" dirty="0" err="1">
+                <a:solidFill>
+                  <a:srgbClr val="FFFFFF"/>
+                </a:solidFill>
+              </a:rPr>
+              <a:t>Biblioteca</a:t>
+            </a:r>
+            <a:endParaRPr lang="en-US" sz="3200" dirty="0">
               <a:solidFill>
                 <a:srgbClr val="FFFFFF"/>
               </a:solidFill>
@@ -7637,6 +7301,344 @@
           </a:p>
         </p:txBody>
       </p:sp>
+      <p:sp>
+        <p:nvSpPr>
+          <p:cNvPr id="7" name="Título 1">
+            <a:extLst>
+              <a:ext uri="{FF2B5EF4-FFF2-40B4-BE49-F238E27FC236}">
+                <a16:creationId xmlns:a16="http://schemas.microsoft.com/office/drawing/2014/main" id="{729910AC-5B9C-4502-8F3C-968A9DB6ABB1}"/>
+              </a:ext>
+            </a:extLst>
+          </p:cNvPr>
+          <p:cNvSpPr txBox="1">
+            <a:spLocks/>
+          </p:cNvSpPr>
+          <p:nvPr/>
+        </p:nvSpPr>
+        <p:spPr>
+          <a:xfrm>
+            <a:off x="857407" y="1603899"/>
+            <a:ext cx="1820064" cy="538740"/>
+          </a:xfrm>
+          <a:prstGeom prst="rect">
+            <a:avLst/>
+          </a:prstGeom>
+        </p:spPr>
+        <p:txBody>
+          <a:bodyPr vert="horz" lIns="91440" tIns="45720" rIns="91440" bIns="45720" rtlCol="0" anchor="b">
+            <a:normAutofit/>
+          </a:bodyPr>
+          <a:lstStyle>
+            <a:lvl1pPr algn="l" defTabSz="914400" rtl="0" eaLnBrk="1" latinLnBrk="0" hangingPunct="1">
+              <a:lnSpc>
+                <a:spcPct val="90000"/>
+              </a:lnSpc>
+              <a:spcBef>
+                <a:spcPct val="0"/>
+              </a:spcBef>
+              <a:buNone/>
+              <a:defRPr sz="4400" kern="1200">
+                <a:solidFill>
+                  <a:schemeClr val="tx1"/>
+                </a:solidFill>
+                <a:latin typeface="+mj-lt"/>
+                <a:ea typeface="+mj-ea"/>
+                <a:cs typeface="+mj-cs"/>
+              </a:defRPr>
+            </a:lvl1pPr>
+          </a:lstStyle>
+          <a:p>
+            <a:pPr algn="ctr"/>
+            <a:r>
+              <a:rPr lang="en-US" sz="3200" dirty="0" err="1">
+                <a:solidFill>
+                  <a:srgbClr val="FFFFFF"/>
+                </a:solidFill>
+              </a:rPr>
+              <a:t>Problema</a:t>
+            </a:r>
+            <a:endParaRPr lang="en-US" sz="3200" dirty="0">
+              <a:solidFill>
+                <a:srgbClr val="FFFFFF"/>
+              </a:solidFill>
+            </a:endParaRPr>
+          </a:p>
+        </p:txBody>
+      </p:sp>
+      <p:sp>
+        <p:nvSpPr>
+          <p:cNvPr id="8" name="Título 1">
+            <a:extLst>
+              <a:ext uri="{FF2B5EF4-FFF2-40B4-BE49-F238E27FC236}">
+                <a16:creationId xmlns:a16="http://schemas.microsoft.com/office/drawing/2014/main" id="{B3C510B6-D92C-4D9B-8109-0274FBFC8E87}"/>
+              </a:ext>
+            </a:extLst>
+          </p:cNvPr>
+          <p:cNvSpPr txBox="1">
+            <a:spLocks/>
+          </p:cNvSpPr>
+          <p:nvPr/>
+        </p:nvSpPr>
+        <p:spPr>
+          <a:xfrm>
+            <a:off x="8778662" y="1603899"/>
+            <a:ext cx="1820064" cy="538740"/>
+          </a:xfrm>
+          <a:prstGeom prst="rect">
+            <a:avLst/>
+          </a:prstGeom>
+        </p:spPr>
+        <p:txBody>
+          <a:bodyPr vert="horz" lIns="91440" tIns="45720" rIns="91440" bIns="45720" rtlCol="0" anchor="b">
+            <a:normAutofit/>
+          </a:bodyPr>
+          <a:lstStyle>
+            <a:lvl1pPr algn="l" defTabSz="914400" rtl="0" eaLnBrk="1" latinLnBrk="0" hangingPunct="1">
+              <a:lnSpc>
+                <a:spcPct val="90000"/>
+              </a:lnSpc>
+              <a:spcBef>
+                <a:spcPct val="0"/>
+              </a:spcBef>
+              <a:buNone/>
+              <a:defRPr sz="4400" kern="1200">
+                <a:solidFill>
+                  <a:schemeClr val="tx1"/>
+                </a:solidFill>
+                <a:latin typeface="+mj-lt"/>
+                <a:ea typeface="+mj-ea"/>
+                <a:cs typeface="+mj-cs"/>
+              </a:defRPr>
+            </a:lvl1pPr>
+          </a:lstStyle>
+          <a:p>
+            <a:pPr algn="ctr"/>
+            <a:r>
+              <a:rPr lang="en-US" sz="3200" dirty="0" err="1">
+                <a:solidFill>
+                  <a:srgbClr val="FFFFFF"/>
+                </a:solidFill>
+              </a:rPr>
+              <a:t>Solução</a:t>
+            </a:r>
+            <a:endParaRPr lang="en-US" sz="3200" dirty="0">
+              <a:solidFill>
+                <a:srgbClr val="FFFFFF"/>
+              </a:solidFill>
+            </a:endParaRPr>
+          </a:p>
+        </p:txBody>
+      </p:sp>
+      <p:sp>
+        <p:nvSpPr>
+          <p:cNvPr id="3" name="CaixaDeTexto 2">
+            <a:extLst>
+              <a:ext uri="{FF2B5EF4-FFF2-40B4-BE49-F238E27FC236}">
+                <a16:creationId xmlns:a16="http://schemas.microsoft.com/office/drawing/2014/main" id="{F5E02D63-B1F0-49A8-BBD8-210125598DAA}"/>
+              </a:ext>
+            </a:extLst>
+          </p:cNvPr>
+          <p:cNvSpPr txBox="1"/>
+          <p:nvPr/>
+        </p:nvSpPr>
+        <p:spPr>
+          <a:xfrm>
+            <a:off x="454881" y="2316232"/>
+            <a:ext cx="4182386" cy="369332"/>
+          </a:xfrm>
+          <a:prstGeom prst="rect">
+            <a:avLst/>
+          </a:prstGeom>
+          <a:noFill/>
+        </p:spPr>
+        <p:txBody>
+          <a:bodyPr wrap="square" rtlCol="0">
+            <a:spAutoFit/>
+          </a:bodyPr>
+          <a:lstStyle/>
+          <a:p>
+            <a:r>
+              <a:rPr lang="pt-BR" dirty="0"/>
+              <a:t>Autonomia e responsabilidade dos alunos</a:t>
+            </a:r>
+          </a:p>
+        </p:txBody>
+      </p:sp>
+      <p:sp>
+        <p:nvSpPr>
+          <p:cNvPr id="11" name="CaixaDeTexto 10">
+            <a:extLst>
+              <a:ext uri="{FF2B5EF4-FFF2-40B4-BE49-F238E27FC236}">
+                <a16:creationId xmlns:a16="http://schemas.microsoft.com/office/drawing/2014/main" id="{26762BEE-4D74-4173-9AE3-6C3F8FD784C6}"/>
+              </a:ext>
+            </a:extLst>
+          </p:cNvPr>
+          <p:cNvSpPr txBox="1"/>
+          <p:nvPr/>
+        </p:nvSpPr>
+        <p:spPr>
+          <a:xfrm>
+            <a:off x="454881" y="2749082"/>
+            <a:ext cx="4182386" cy="369332"/>
+          </a:xfrm>
+          <a:prstGeom prst="rect">
+            <a:avLst/>
+          </a:prstGeom>
+          <a:noFill/>
+        </p:spPr>
+        <p:txBody>
+          <a:bodyPr wrap="square" rtlCol="0">
+            <a:spAutoFit/>
+          </a:bodyPr>
+          <a:lstStyle/>
+          <a:p>
+            <a:r>
+              <a:rPr lang="pt-BR" dirty="0"/>
+              <a:t>Processo manual</a:t>
+            </a:r>
+          </a:p>
+        </p:txBody>
+      </p:sp>
+      <p:sp>
+        <p:nvSpPr>
+          <p:cNvPr id="13" name="CaixaDeTexto 12">
+            <a:extLst>
+              <a:ext uri="{FF2B5EF4-FFF2-40B4-BE49-F238E27FC236}">
+                <a16:creationId xmlns:a16="http://schemas.microsoft.com/office/drawing/2014/main" id="{4DD13A4A-CCC8-4060-8AEB-2E9AA0AE93F5}"/>
+              </a:ext>
+            </a:extLst>
+          </p:cNvPr>
+          <p:cNvSpPr txBox="1"/>
+          <p:nvPr/>
+        </p:nvSpPr>
+        <p:spPr>
+          <a:xfrm>
+            <a:off x="454881" y="3181932"/>
+            <a:ext cx="4182386" cy="369332"/>
+          </a:xfrm>
+          <a:prstGeom prst="rect">
+            <a:avLst/>
+          </a:prstGeom>
+          <a:noFill/>
+        </p:spPr>
+        <p:txBody>
+          <a:bodyPr wrap="square" rtlCol="0">
+            <a:spAutoFit/>
+          </a:bodyPr>
+          <a:lstStyle/>
+          <a:p>
+            <a:r>
+              <a:rPr lang="pt-BR" dirty="0"/>
+              <a:t>Não atrativo</a:t>
+            </a:r>
+          </a:p>
+        </p:txBody>
+      </p:sp>
+      <p:sp>
+        <p:nvSpPr>
+          <p:cNvPr id="15" name="CaixaDeTexto 14">
+            <a:extLst>
+              <a:ext uri="{FF2B5EF4-FFF2-40B4-BE49-F238E27FC236}">
+                <a16:creationId xmlns:a16="http://schemas.microsoft.com/office/drawing/2014/main" id="{79C21F12-E001-4BAB-A35C-9735DCF1F81B}"/>
+              </a:ext>
+            </a:extLst>
+          </p:cNvPr>
+          <p:cNvSpPr txBox="1"/>
+          <p:nvPr/>
+        </p:nvSpPr>
+        <p:spPr>
+          <a:xfrm>
+            <a:off x="7965839" y="3201439"/>
+            <a:ext cx="4182386" cy="369332"/>
+          </a:xfrm>
+          <a:prstGeom prst="rect">
+            <a:avLst/>
+          </a:prstGeom>
+          <a:noFill/>
+        </p:spPr>
+        <p:txBody>
+          <a:bodyPr wrap="square" rtlCol="0">
+            <a:spAutoFit/>
+          </a:bodyPr>
+          <a:lstStyle/>
+          <a:p>
+            <a:r>
+              <a:rPr lang="pt-BR" dirty="0"/>
+              <a:t>Autonomia e responsabilidade dos alunos</a:t>
+            </a:r>
+          </a:p>
+        </p:txBody>
+      </p:sp>
+      <p:sp>
+        <p:nvSpPr>
+          <p:cNvPr id="16" name="CaixaDeTexto 15">
+            <a:extLst>
+              <a:ext uri="{FF2B5EF4-FFF2-40B4-BE49-F238E27FC236}">
+                <a16:creationId xmlns:a16="http://schemas.microsoft.com/office/drawing/2014/main" id="{42A0A167-293F-489D-9251-F5A472552F99}"/>
+              </a:ext>
+            </a:extLst>
+          </p:cNvPr>
+          <p:cNvSpPr txBox="1"/>
+          <p:nvPr/>
+        </p:nvSpPr>
+        <p:spPr>
+          <a:xfrm>
+            <a:off x="7965839" y="2189565"/>
+            <a:ext cx="4182386" cy="369332"/>
+          </a:xfrm>
+          <a:prstGeom prst="rect">
+            <a:avLst/>
+          </a:prstGeom>
+          <a:noFill/>
+        </p:spPr>
+        <p:txBody>
+          <a:bodyPr wrap="square" rtlCol="0">
+            <a:spAutoFit/>
+          </a:bodyPr>
+          <a:lstStyle/>
+          <a:p>
+            <a:r>
+              <a:rPr lang="pt-BR" dirty="0"/>
+              <a:t>Virtualização do processo</a:t>
+            </a:r>
+          </a:p>
+        </p:txBody>
+      </p:sp>
+      <p:sp>
+        <p:nvSpPr>
+          <p:cNvPr id="17" name="CaixaDeTexto 16">
+            <a:extLst>
+              <a:ext uri="{FF2B5EF4-FFF2-40B4-BE49-F238E27FC236}">
+                <a16:creationId xmlns:a16="http://schemas.microsoft.com/office/drawing/2014/main" id="{945D92B9-BA34-4E55-923B-7D699A30D033}"/>
+              </a:ext>
+            </a:extLst>
+          </p:cNvPr>
+          <p:cNvSpPr txBox="1"/>
+          <p:nvPr/>
+        </p:nvSpPr>
+        <p:spPr>
+          <a:xfrm>
+            <a:off x="7965839" y="2682537"/>
+            <a:ext cx="4182386" cy="369332"/>
+          </a:xfrm>
+          <a:prstGeom prst="rect">
+            <a:avLst/>
+          </a:prstGeom>
+          <a:noFill/>
+        </p:spPr>
+        <p:txBody>
+          <a:bodyPr wrap="square" rtlCol="0">
+            <a:spAutoFit/>
+          </a:bodyPr>
+          <a:lstStyle/>
+          <a:p>
+            <a:r>
+              <a:rPr lang="pt-BR" dirty="0"/>
+              <a:t>Processo atrativo e mais eficiente</a:t>
+            </a:r>
+          </a:p>
+        </p:txBody>
+      </p:sp>
     </p:spTree>
     <p:extLst>
       <p:ext uri="{BB962C8B-B14F-4D97-AF65-F5344CB8AC3E}">
@@ -7647,6 +7649,18 @@
   <p:clrMapOvr>
     <a:masterClrMapping/>
   </p:clrMapOvr>
+  <mc:AlternateContent xmlns:mc="http://schemas.openxmlformats.org/markup-compatibility/2006">
+    <mc:Choice xmlns:p14="http://schemas.microsoft.com/office/powerpoint/2010/main" Requires="p14">
+      <p:transition spd="med" p14:dur="700">
+        <p:fade/>
+      </p:transition>
+    </mc:Choice>
+    <mc:Fallback>
+      <p:transition spd="med">
+        <p:fade/>
+      </p:transition>
+    </mc:Fallback>
+  </mc:AlternateContent>
 </p:sld>
 </file>
 
@@ -7910,93 +7924,6 @@
           </a:p>
         </p:txBody>
       </p:sp>
-      <p:sp>
-        <p:nvSpPr>
-          <p:cNvPr id="2" name="Título 1">
-            <a:extLst>
-              <a:ext uri="{FF2B5EF4-FFF2-40B4-BE49-F238E27FC236}">
-                <a16:creationId xmlns:a16="http://schemas.microsoft.com/office/drawing/2014/main" id="{4569C268-49C3-45D3-8482-89F43F6B8110}"/>
-              </a:ext>
-            </a:extLst>
-          </p:cNvPr>
-          <p:cNvSpPr>
-            <a:spLocks noGrp="1"/>
-          </p:cNvSpPr>
-          <p:nvPr>
-            <p:ph type="title"/>
-          </p:nvPr>
-        </p:nvSpPr>
-        <p:spPr>
-          <a:xfrm>
-            <a:off x="5093520" y="2744662"/>
-            <a:ext cx="6589707" cy="2387600"/>
-          </a:xfrm>
-        </p:spPr>
-        <p:txBody>
-          <a:bodyPr vert="horz" lIns="91440" tIns="45720" rIns="91440" bIns="45720" rtlCol="0" anchor="b">
-            <a:normAutofit/>
-          </a:bodyPr>
-          <a:lstStyle/>
-          <a:p>
-            <a:pPr algn="r"/>
-            <a:r>
-              <a:rPr lang="en-US" sz="6000" kern="1200" dirty="0">
-                <a:solidFill>
-                  <a:srgbClr val="FFFFFF"/>
-                </a:solidFill>
-                <a:latin typeface="+mj-lt"/>
-                <a:ea typeface="+mj-ea"/>
-                <a:cs typeface="+mj-cs"/>
-              </a:rPr>
-              <a:t>O </a:t>
-            </a:r>
-            <a:r>
-              <a:rPr lang="pt-BR" sz="6000" kern="1200" dirty="0">
-                <a:solidFill>
-                  <a:srgbClr val="FFFFFF"/>
-                </a:solidFill>
-                <a:latin typeface="+mj-lt"/>
-                <a:ea typeface="+mj-ea"/>
-                <a:cs typeface="+mj-cs"/>
-              </a:rPr>
-              <a:t>problema</a:t>
-            </a:r>
-            <a:r>
-              <a:rPr lang="en-US" sz="6000" kern="1200" dirty="0">
-                <a:solidFill>
-                  <a:srgbClr val="FFFFFF"/>
-                </a:solidFill>
-                <a:latin typeface="+mj-lt"/>
-                <a:ea typeface="+mj-ea"/>
-                <a:cs typeface="+mj-cs"/>
-              </a:rPr>
-              <a:t> no </a:t>
-            </a:r>
-            <a:r>
-              <a:rPr lang="pt-BR" sz="6000" kern="1200" dirty="0">
-                <a:solidFill>
-                  <a:srgbClr val="FFFFFF"/>
-                </a:solidFill>
-                <a:latin typeface="+mj-lt"/>
-                <a:ea typeface="+mj-ea"/>
-                <a:cs typeface="+mj-cs"/>
-              </a:rPr>
-              <a:t>ambiente</a:t>
-            </a:r>
-            <a:r>
-              <a:rPr lang="en-US" sz="6000" kern="1200" dirty="0">
-                <a:solidFill>
-                  <a:srgbClr val="FFFFFF"/>
-                </a:solidFill>
-                <a:latin typeface="+mj-lt"/>
-                <a:ea typeface="+mj-ea"/>
-                <a:cs typeface="+mj-cs"/>
-              </a:rPr>
-              <a:t>.</a:t>
-            </a:r>
-          </a:p>
-        </p:txBody>
-      </p:sp>
       <p:cxnSp>
         <p:nvCxnSpPr>
           <p:cNvPr id="29" name="Straight Connector 28">
@@ -8615,86 +8542,6 @@
 </file>
 
 <file path=ppt/slides/slide6.xml><?xml version="1.0" encoding="utf-8"?>
-<p:sld xmlns:a="http://schemas.openxmlformats.org/drawingml/2006/main" xmlns:r="http://schemas.openxmlformats.org/officeDocument/2006/relationships" xmlns:p="http://schemas.openxmlformats.org/presentationml/2006/main">
-  <p:cSld>
-    <p:spTree>
-      <p:nvGrpSpPr>
-        <p:cNvPr id="1" name=""/>
-        <p:cNvGrpSpPr/>
-        <p:nvPr/>
-      </p:nvGrpSpPr>
-      <p:grpSpPr>
-        <a:xfrm>
-          <a:off x="0" y="0"/>
-          <a:ext cx="0" cy="0"/>
-          <a:chOff x="0" y="0"/>
-          <a:chExt cx="0" cy="0"/>
-        </a:xfrm>
-      </p:grpSpPr>
-      <p:sp>
-        <p:nvSpPr>
-          <p:cNvPr id="2" name="Título 1">
-            <a:extLst>
-              <a:ext uri="{FF2B5EF4-FFF2-40B4-BE49-F238E27FC236}">
-                <a16:creationId xmlns:a16="http://schemas.microsoft.com/office/drawing/2014/main" id="{5C738648-6E92-45ED-8A2C-82153D5710C4}"/>
-              </a:ext>
-            </a:extLst>
-          </p:cNvPr>
-          <p:cNvSpPr>
-            <a:spLocks noGrp="1"/>
-          </p:cNvSpPr>
-          <p:nvPr>
-            <p:ph type="title"/>
-          </p:nvPr>
-        </p:nvSpPr>
-        <p:spPr/>
-        <p:txBody>
-          <a:bodyPr/>
-          <a:lstStyle/>
-          <a:p>
-            <a:endParaRPr lang="pt-BR" dirty="0"/>
-          </a:p>
-        </p:txBody>
-      </p:sp>
-      <p:sp>
-        <p:nvSpPr>
-          <p:cNvPr id="3" name="Espaço Reservado para Conteúdo 2">
-            <a:extLst>
-              <a:ext uri="{FF2B5EF4-FFF2-40B4-BE49-F238E27FC236}">
-                <a16:creationId xmlns:a16="http://schemas.microsoft.com/office/drawing/2014/main" id="{CCD2AB50-6DD2-4016-9CA7-9413CB878786}"/>
-              </a:ext>
-            </a:extLst>
-          </p:cNvPr>
-          <p:cNvSpPr>
-            <a:spLocks noGrp="1"/>
-          </p:cNvSpPr>
-          <p:nvPr>
-            <p:ph idx="1"/>
-          </p:nvPr>
-        </p:nvSpPr>
-        <p:spPr/>
-        <p:txBody>
-          <a:bodyPr/>
-          <a:lstStyle/>
-          <a:p>
-            <a:endParaRPr lang="pt-BR" dirty="0"/>
-          </a:p>
-        </p:txBody>
-      </p:sp>
-    </p:spTree>
-    <p:extLst>
-      <p:ext uri="{BB962C8B-B14F-4D97-AF65-F5344CB8AC3E}">
-        <p14:creationId xmlns:p14="http://schemas.microsoft.com/office/powerpoint/2010/main" val="3869932821"/>
-      </p:ext>
-    </p:extLst>
-  </p:cSld>
-  <p:clrMapOvr>
-    <a:masterClrMapping/>
-  </p:clrMapOvr>
-</p:sld>
-</file>
-
-<file path=ppt/slides/slide7.xml><?xml version="1.0" encoding="utf-8"?>
 <p:sld xmlns:a="http://schemas.openxmlformats.org/drawingml/2006/main" xmlns:r="http://schemas.openxmlformats.org/officeDocument/2006/relationships" xmlns:p="http://schemas.openxmlformats.org/presentationml/2006/main">
   <p:cSld>
     <p:bg>
@@ -9209,10 +9056,10 @@
       </p:sp>
       <p:sp>
         <p:nvSpPr>
-          <p:cNvPr id="2" name="Título 1">
-            <a:extLst>
-              <a:ext uri="{FF2B5EF4-FFF2-40B4-BE49-F238E27FC236}">
-                <a16:creationId xmlns:a16="http://schemas.microsoft.com/office/drawing/2014/main" id="{F24166AF-62B4-4C46-B085-F815ECF0DFC7}"/>
+          <p:cNvPr id="4" name="Título 3">
+            <a:extLst>
+              <a:ext uri="{FF2B5EF4-FFF2-40B4-BE49-F238E27FC236}">
+                <a16:creationId xmlns:a16="http://schemas.microsoft.com/office/drawing/2014/main" id="{B5B7A724-29A1-4335-A2CA-50C5769E19A5}"/>
               </a:ext>
             </a:extLst>
           </p:cNvPr>
@@ -9223,118 +9070,12 @@
             <p:ph type="title"/>
           </p:nvPr>
         </p:nvSpPr>
-        <p:spPr>
-          <a:xfrm>
-            <a:off x="4038600" y="1939159"/>
-            <a:ext cx="7644627" cy="2751086"/>
-          </a:xfrm>
-        </p:spPr>
-        <p:txBody>
-          <a:bodyPr vert="horz" lIns="91440" tIns="45720" rIns="91440" bIns="45720" rtlCol="0" anchor="b">
-            <a:normAutofit/>
-          </a:bodyPr>
+        <p:spPr/>
+        <p:txBody>
+          <a:bodyPr/>
           <a:lstStyle/>
           <a:p>
-            <a:pPr algn="r"/>
-            <a:r>
-              <a:rPr lang="en-US" sz="6000" kern="1200" dirty="0">
-                <a:solidFill>
-                  <a:schemeClr val="tx1"/>
-                </a:solidFill>
-                <a:latin typeface="+mj-lt"/>
-                <a:ea typeface="+mj-ea"/>
-                <a:cs typeface="+mj-cs"/>
-              </a:rPr>
-              <a:t>Como </a:t>
-            </a:r>
-            <a:r>
-              <a:rPr lang="pt-BR" sz="6000" kern="1200" dirty="0">
-                <a:solidFill>
-                  <a:schemeClr val="tx1"/>
-                </a:solidFill>
-                <a:latin typeface="+mj-lt"/>
-                <a:ea typeface="+mj-ea"/>
-                <a:cs typeface="+mj-cs"/>
-              </a:rPr>
-              <a:t>contribuir</a:t>
-            </a:r>
-            <a:r>
-              <a:rPr lang="en-US" sz="6000" kern="1200" dirty="0">
-                <a:solidFill>
-                  <a:schemeClr val="tx1"/>
-                </a:solidFill>
-                <a:latin typeface="+mj-lt"/>
-                <a:ea typeface="+mj-ea"/>
-                <a:cs typeface="+mj-cs"/>
-              </a:rPr>
-              <a:t> para </a:t>
-            </a:r>
-            <a:r>
-              <a:rPr lang="pt-BR" sz="6000" kern="1200" dirty="0">
-                <a:solidFill>
-                  <a:schemeClr val="tx1"/>
-                </a:solidFill>
-                <a:latin typeface="+mj-lt"/>
-                <a:ea typeface="+mj-ea"/>
-                <a:cs typeface="+mj-cs"/>
-              </a:rPr>
-              <a:t>ter</a:t>
-            </a:r>
-            <a:r>
-              <a:rPr lang="en-US" sz="6000" kern="1200" dirty="0">
-                <a:solidFill>
-                  <a:schemeClr val="tx1"/>
-                </a:solidFill>
-                <a:latin typeface="+mj-lt"/>
-                <a:ea typeface="+mj-ea"/>
-                <a:cs typeface="+mj-cs"/>
-              </a:rPr>
-              <a:t> um </a:t>
-            </a:r>
-            <a:r>
-              <a:rPr lang="pt-BR" sz="6000" kern="1200" dirty="0">
-                <a:solidFill>
-                  <a:schemeClr val="tx1"/>
-                </a:solidFill>
-                <a:latin typeface="+mj-lt"/>
-                <a:ea typeface="+mj-ea"/>
-                <a:cs typeface="+mj-cs"/>
-              </a:rPr>
-              <a:t>ambiente</a:t>
-            </a:r>
-            <a:r>
-              <a:rPr lang="en-US" sz="6000" kern="1200" dirty="0">
-                <a:solidFill>
-                  <a:schemeClr val="tx1"/>
-                </a:solidFill>
-                <a:latin typeface="+mj-lt"/>
-                <a:ea typeface="+mj-ea"/>
-                <a:cs typeface="+mj-cs"/>
-              </a:rPr>
-              <a:t> </a:t>
-            </a:r>
-            <a:r>
-              <a:rPr lang="pt-BR" sz="6000" kern="1200" dirty="0">
-                <a:solidFill>
-                  <a:schemeClr val="tx1"/>
-                </a:solidFill>
-                <a:latin typeface="+mj-lt"/>
-                <a:ea typeface="+mj-ea"/>
-                <a:cs typeface="+mj-cs"/>
-              </a:rPr>
-              <a:t>adequado</a:t>
-            </a:r>
-            <a:r>
-              <a:rPr lang="en-US" sz="6000" kern="1200" dirty="0">
-                <a:solidFill>
-                  <a:schemeClr val="tx1"/>
-                </a:solidFill>
-                <a:latin typeface="+mj-lt"/>
-                <a:ea typeface="+mj-ea"/>
-                <a:cs typeface="+mj-cs"/>
-              </a:rPr>
-              <a:t>.</a:t>
-            </a:r>
+            <a:endParaRPr lang="pt-BR" dirty="0"/>
           </a:p>
         </p:txBody>
       </p:sp>
@@ -9351,87 +9092,7 @@
 </p:sld>
 </file>
 
-<file path=ppt/slides/slide8.xml><?xml version="1.0" encoding="utf-8"?>
-<p:sld xmlns:a="http://schemas.openxmlformats.org/drawingml/2006/main" xmlns:r="http://schemas.openxmlformats.org/officeDocument/2006/relationships" xmlns:p="http://schemas.openxmlformats.org/presentationml/2006/main">
-  <p:cSld>
-    <p:spTree>
-      <p:nvGrpSpPr>
-        <p:cNvPr id="1" name=""/>
-        <p:cNvGrpSpPr/>
-        <p:nvPr/>
-      </p:nvGrpSpPr>
-      <p:grpSpPr>
-        <a:xfrm>
-          <a:off x="0" y="0"/>
-          <a:ext cx="0" cy="0"/>
-          <a:chOff x="0" y="0"/>
-          <a:chExt cx="0" cy="0"/>
-        </a:xfrm>
-      </p:grpSpPr>
-      <p:sp>
-        <p:nvSpPr>
-          <p:cNvPr id="2" name="Título 1">
-            <a:extLst>
-              <a:ext uri="{FF2B5EF4-FFF2-40B4-BE49-F238E27FC236}">
-                <a16:creationId xmlns:a16="http://schemas.microsoft.com/office/drawing/2014/main" id="{9E01E844-FA98-44C9-B7C1-B24B639BC0CC}"/>
-              </a:ext>
-            </a:extLst>
-          </p:cNvPr>
-          <p:cNvSpPr>
-            <a:spLocks noGrp="1"/>
-          </p:cNvSpPr>
-          <p:nvPr>
-            <p:ph type="title"/>
-          </p:nvPr>
-        </p:nvSpPr>
-        <p:spPr/>
-        <p:txBody>
-          <a:bodyPr/>
-          <a:lstStyle/>
-          <a:p>
-            <a:endParaRPr lang="pt-BR" dirty="0"/>
-          </a:p>
-        </p:txBody>
-      </p:sp>
-      <p:sp>
-        <p:nvSpPr>
-          <p:cNvPr id="3" name="Espaço Reservado para Conteúdo 2">
-            <a:extLst>
-              <a:ext uri="{FF2B5EF4-FFF2-40B4-BE49-F238E27FC236}">
-                <a16:creationId xmlns:a16="http://schemas.microsoft.com/office/drawing/2014/main" id="{79C7B040-E1D0-4651-BA57-DDA3D8B3918B}"/>
-              </a:ext>
-            </a:extLst>
-          </p:cNvPr>
-          <p:cNvSpPr>
-            <a:spLocks noGrp="1"/>
-          </p:cNvSpPr>
-          <p:nvPr>
-            <p:ph idx="1"/>
-          </p:nvPr>
-        </p:nvSpPr>
-        <p:spPr/>
-        <p:txBody>
-          <a:bodyPr/>
-          <a:lstStyle/>
-          <a:p>
-            <a:endParaRPr lang="pt-BR" dirty="0"/>
-          </a:p>
-        </p:txBody>
-      </p:sp>
-    </p:spTree>
-    <p:extLst>
-      <p:ext uri="{BB962C8B-B14F-4D97-AF65-F5344CB8AC3E}">
-        <p14:creationId xmlns:p14="http://schemas.microsoft.com/office/powerpoint/2010/main" val="2365679277"/>
-      </p:ext>
-    </p:extLst>
-  </p:cSld>
-  <p:clrMapOvr>
-    <a:masterClrMapping/>
-  </p:clrMapOvr>
-</p:sld>
-</file>
-
-<file path=ppt/slides/slide9.xml><?xml version="1.0" encoding="utf-8"?>
+<file path=ppt/slides/slide7.xml><?xml version="1.0" encoding="utf-8"?>
 <p:sld xmlns:a="http://schemas.openxmlformats.org/drawingml/2006/main" xmlns:r="http://schemas.openxmlformats.org/officeDocument/2006/relationships" xmlns:p="http://schemas.openxmlformats.org/presentationml/2006/main">
   <p:cSld>
     <p:bg>
@@ -9691,93 +9352,6 @@
           </a:p>
         </p:txBody>
       </p:sp>
-      <p:sp>
-        <p:nvSpPr>
-          <p:cNvPr id="2" name="Título 1">
-            <a:extLst>
-              <a:ext uri="{FF2B5EF4-FFF2-40B4-BE49-F238E27FC236}">
-                <a16:creationId xmlns:a16="http://schemas.microsoft.com/office/drawing/2014/main" id="{C0E7920D-2063-42A0-A366-93A8894063FC}"/>
-              </a:ext>
-            </a:extLst>
-          </p:cNvPr>
-          <p:cNvSpPr>
-            <a:spLocks noGrp="1"/>
-          </p:cNvSpPr>
-          <p:nvPr>
-            <p:ph type="title"/>
-          </p:nvPr>
-        </p:nvSpPr>
-        <p:spPr>
-          <a:xfrm>
-            <a:off x="5093520" y="2744662"/>
-            <a:ext cx="6589707" cy="2387600"/>
-          </a:xfrm>
-        </p:spPr>
-        <p:txBody>
-          <a:bodyPr vert="horz" lIns="91440" tIns="45720" rIns="91440" bIns="45720" rtlCol="0" anchor="b">
-            <a:normAutofit/>
-          </a:bodyPr>
-          <a:lstStyle/>
-          <a:p>
-            <a:pPr algn="r"/>
-            <a:r>
-              <a:rPr lang="pt-BR" sz="6000" kern="1200" dirty="0">
-                <a:solidFill>
-                  <a:srgbClr val="FFFFFF"/>
-                </a:solidFill>
-                <a:latin typeface="+mj-lt"/>
-                <a:ea typeface="+mj-ea"/>
-                <a:cs typeface="+mj-cs"/>
-              </a:rPr>
-              <a:t>Melhoras</a:t>
-            </a:r>
-            <a:r>
-              <a:rPr lang="en-US" sz="6000" kern="1200" dirty="0">
-                <a:solidFill>
-                  <a:srgbClr val="FFFFFF"/>
-                </a:solidFill>
-                <a:latin typeface="+mj-lt"/>
-                <a:ea typeface="+mj-ea"/>
-                <a:cs typeface="+mj-cs"/>
-              </a:rPr>
-              <a:t> </a:t>
-            </a:r>
-            <a:r>
-              <a:rPr lang="pt-BR" sz="6000" kern="1200" dirty="0">
-                <a:solidFill>
-                  <a:srgbClr val="FFFFFF"/>
-                </a:solidFill>
-                <a:latin typeface="+mj-lt"/>
-                <a:ea typeface="+mj-ea"/>
-                <a:cs typeface="+mj-cs"/>
-              </a:rPr>
-              <a:t>na</a:t>
-            </a:r>
-            <a:r>
-              <a:rPr lang="en-US" sz="6000" kern="1200" dirty="0">
-                <a:solidFill>
-                  <a:srgbClr val="FFFFFF"/>
-                </a:solidFill>
-                <a:latin typeface="+mj-lt"/>
-                <a:ea typeface="+mj-ea"/>
-                <a:cs typeface="+mj-cs"/>
-              </a:rPr>
-              <a:t> </a:t>
-            </a:r>
-            <a:r>
-              <a:rPr lang="pt-BR" sz="6000" kern="1200" dirty="0">
-                <a:solidFill>
-                  <a:srgbClr val="FFFFFF"/>
-                </a:solidFill>
-                <a:latin typeface="+mj-lt"/>
-                <a:ea typeface="+mj-ea"/>
-                <a:cs typeface="+mj-cs"/>
-              </a:rPr>
-              <a:t>infraestrutura</a:t>
-            </a:r>
-          </a:p>
-        </p:txBody>
-      </p:sp>
       <p:cxnSp>
         <p:nvCxnSpPr>
           <p:cNvPr id="12" name="Straight Connector 11">
@@ -10382,10 +9956,575 @@
           </a:p>
         </p:txBody>
       </p:sp>
+      <p:sp>
+        <p:nvSpPr>
+          <p:cNvPr id="4" name="Título 3">
+            <a:extLst>
+              <a:ext uri="{FF2B5EF4-FFF2-40B4-BE49-F238E27FC236}">
+                <a16:creationId xmlns:a16="http://schemas.microsoft.com/office/drawing/2014/main" id="{B0084E4F-BAD1-433F-9B3A-1CFACFD08D25}"/>
+              </a:ext>
+            </a:extLst>
+          </p:cNvPr>
+          <p:cNvSpPr>
+            <a:spLocks noGrp="1"/>
+          </p:cNvSpPr>
+          <p:nvPr>
+            <p:ph type="title"/>
+          </p:nvPr>
+        </p:nvSpPr>
+        <p:spPr/>
+        <p:txBody>
+          <a:bodyPr/>
+          <a:lstStyle/>
+          <a:p>
+            <a:endParaRPr lang="pt-BR"/>
+          </a:p>
+        </p:txBody>
+      </p:sp>
     </p:spTree>
     <p:extLst>
       <p:ext uri="{BB962C8B-B14F-4D97-AF65-F5344CB8AC3E}">
         <p14:creationId xmlns:p14="http://schemas.microsoft.com/office/powerpoint/2010/main" val="1596494231"/>
+      </p:ext>
+    </p:extLst>
+  </p:cSld>
+  <p:clrMapOvr>
+    <a:masterClrMapping/>
+  </p:clrMapOvr>
+</p:sld>
+</file>
+
+<file path=ppt/slides/slide8.xml><?xml version="1.0" encoding="utf-8"?>
+<p:sld xmlns:a="http://schemas.openxmlformats.org/drawingml/2006/main" xmlns:r="http://schemas.openxmlformats.org/officeDocument/2006/relationships" xmlns:p="http://schemas.openxmlformats.org/presentationml/2006/main">
+  <p:cSld>
+    <p:bg>
+      <p:bgPr>
+        <a:solidFill>
+          <a:schemeClr val="bg1"/>
+        </a:solidFill>
+        <a:effectLst/>
+      </p:bgPr>
+    </p:bg>
+    <p:spTree>
+      <p:nvGrpSpPr>
+        <p:cNvPr id="1" name=""/>
+        <p:cNvGrpSpPr/>
+        <p:nvPr/>
+      </p:nvGrpSpPr>
+      <p:grpSpPr>
+        <a:xfrm>
+          <a:off x="0" y="0"/>
+          <a:ext cx="0" cy="0"/>
+          <a:chOff x="0" y="0"/>
+          <a:chExt cx="0" cy="0"/>
+        </a:xfrm>
+      </p:grpSpPr>
+      <p:sp useBgFill="1">
+        <p:nvSpPr>
+          <p:cNvPr id="21" name="Rectangle 20">
+            <a:extLst>
+              <a:ext uri="{FF2B5EF4-FFF2-40B4-BE49-F238E27FC236}">
+                <a16:creationId xmlns:a16="http://schemas.microsoft.com/office/drawing/2014/main" id="{A1D7EC86-7CB9-431D-8AC3-8AAF0440B162}"/>
+              </a:ext>
+              <a:ext uri="{C183D7F6-B498-43B3-948B-1728B52AA6E4}">
+                <adec:decorative xmlns:adec="http://schemas.microsoft.com/office/drawing/2017/decorative" val="1"/>
+              </a:ext>
+            </a:extLst>
+          </p:cNvPr>
+          <p:cNvSpPr>
+            <a:spLocks noGrp="1" noRot="1" noChangeAspect="1" noMove="1" noResize="1" noEditPoints="1" noAdjustHandles="1" noChangeArrowheads="1" noChangeShapeType="1" noTextEdit="1"/>
+          </p:cNvSpPr>
+          <p:nvPr>
+            <p:extLst>
+              <p:ext uri="{386F3935-93C4-4BCD-93E2-E3B085C9AB24}">
+                <p16:designElem xmlns:p16="http://schemas.microsoft.com/office/powerpoint/2015/main" val="1"/>
+              </p:ext>
+            </p:extLst>
+          </p:nvPr>
+        </p:nvSpPr>
+        <p:spPr>
+          <a:xfrm>
+            <a:off x="0" y="0"/>
+            <a:ext cx="12192000" cy="6858000"/>
+          </a:xfrm>
+          <a:prstGeom prst="rect">
+            <a:avLst/>
+          </a:prstGeom>
+        </p:spPr>
+        <p:style>
+          <a:lnRef idx="2">
+            <a:schemeClr val="accent1">
+              <a:shade val="50000"/>
+            </a:schemeClr>
+          </a:lnRef>
+          <a:fillRef idx="1">
+            <a:schemeClr val="accent1"/>
+          </a:fillRef>
+          <a:effectRef idx="0">
+            <a:schemeClr val="accent1"/>
+          </a:effectRef>
+          <a:fontRef idx="minor">
+            <a:schemeClr val="lt1"/>
+          </a:fontRef>
+        </p:style>
+        <p:txBody>
+          <a:bodyPr rtlCol="0" anchor="ctr"/>
+          <a:lstStyle/>
+          <a:p>
+            <a:pPr algn="ctr"/>
+            <a:endParaRPr lang="en-US"/>
+          </a:p>
+        </p:txBody>
+      </p:sp>
+      <p:sp useBgFill="1">
+        <p:nvSpPr>
+          <p:cNvPr id="23" name="Rectangle 22">
+            <a:extLst>
+              <a:ext uri="{FF2B5EF4-FFF2-40B4-BE49-F238E27FC236}">
+                <a16:creationId xmlns:a16="http://schemas.microsoft.com/office/drawing/2014/main" id="{D4B9777F-B610-419B-9193-80306388F3E2}"/>
+              </a:ext>
+              <a:ext uri="{C183D7F6-B498-43B3-948B-1728B52AA6E4}">
+                <adec:decorative xmlns:adec="http://schemas.microsoft.com/office/drawing/2017/decorative" val="1"/>
+              </a:ext>
+            </a:extLst>
+          </p:cNvPr>
+          <p:cNvSpPr>
+            <a:spLocks noGrp="1" noRot="1" noChangeAspect="1" noMove="1" noResize="1" noEditPoints="1" noAdjustHandles="1" noChangeArrowheads="1" noChangeShapeType="1" noTextEdit="1"/>
+          </p:cNvSpPr>
+          <p:nvPr>
+            <p:extLst>
+              <p:ext uri="{386F3935-93C4-4BCD-93E2-E3B085C9AB24}">
+                <p16:designElem xmlns:p16="http://schemas.microsoft.com/office/powerpoint/2015/main" val="1"/>
+              </p:ext>
+            </p:extLst>
+          </p:nvPr>
+        </p:nvSpPr>
+        <p:spPr>
+          <a:xfrm>
+            <a:off x="0" y="0"/>
+            <a:ext cx="12192000" cy="6858000"/>
+          </a:xfrm>
+          <a:prstGeom prst="rect">
+            <a:avLst/>
+          </a:prstGeom>
+          <a:ln>
+            <a:noFill/>
+          </a:ln>
+        </p:spPr>
+        <p:style>
+          <a:lnRef idx="2">
+            <a:schemeClr val="accent1">
+              <a:shade val="50000"/>
+            </a:schemeClr>
+          </a:lnRef>
+          <a:fillRef idx="1">
+            <a:schemeClr val="accent1"/>
+          </a:fillRef>
+          <a:effectRef idx="0">
+            <a:schemeClr val="accent1"/>
+          </a:effectRef>
+          <a:fontRef idx="minor">
+            <a:schemeClr val="lt1"/>
+          </a:fontRef>
+        </p:style>
+        <p:txBody>
+          <a:bodyPr rtlCol="0" anchor="ctr"/>
+          <a:lstStyle/>
+          <a:p>
+            <a:pPr algn="ctr"/>
+            <a:endParaRPr lang="en-US" dirty="0"/>
+          </a:p>
+        </p:txBody>
+      </p:sp>
+      <p:sp>
+        <p:nvSpPr>
+          <p:cNvPr id="25" name="Arc 24">
+            <a:extLst>
+              <a:ext uri="{FF2B5EF4-FFF2-40B4-BE49-F238E27FC236}">
+                <a16:creationId xmlns:a16="http://schemas.microsoft.com/office/drawing/2014/main" id="{311F016A-A753-449B-9EA6-322199B7119E}"/>
+              </a:ext>
+              <a:ext uri="{C183D7F6-B498-43B3-948B-1728B52AA6E4}">
+                <adec:decorative xmlns:adec="http://schemas.microsoft.com/office/drawing/2017/decorative" val="1"/>
+              </a:ext>
+            </a:extLst>
+          </p:cNvPr>
+          <p:cNvSpPr>
+            <a:spLocks noGrp="1" noRot="1" noChangeAspect="1" noMove="1" noResize="1" noEditPoints="1" noAdjustHandles="1" noChangeArrowheads="1" noChangeShapeType="1" noTextEdit="1"/>
+          </p:cNvSpPr>
+          <p:nvPr>
+            <p:extLst>
+              <p:ext uri="{386F3935-93C4-4BCD-93E2-E3B085C9AB24}">
+                <p16:designElem xmlns:p16="http://schemas.microsoft.com/office/powerpoint/2015/main" val="1"/>
+              </p:ext>
+            </p:extLst>
+          </p:nvPr>
+        </p:nvSpPr>
+        <p:spPr>
+          <a:xfrm rot="21427715">
+            <a:off x="1108520" y="775849"/>
+            <a:ext cx="2987899" cy="2987899"/>
+          </a:xfrm>
+          <a:prstGeom prst="arc">
+            <a:avLst>
+              <a:gd name="adj1" fmla="val 16200000"/>
+              <a:gd name="adj2" fmla="val 2287352"/>
+            </a:avLst>
+          </a:prstGeom>
+          <a:ln w="127000" cap="rnd">
+            <a:solidFill>
+              <a:schemeClr val="accent4"/>
+            </a:solidFill>
+            <a:prstDash val="dash"/>
+            <a:miter lim="800000"/>
+          </a:ln>
+        </p:spPr>
+        <p:style>
+          <a:lnRef idx="1">
+            <a:schemeClr val="accent1"/>
+          </a:lnRef>
+          <a:fillRef idx="0">
+            <a:schemeClr val="accent1"/>
+          </a:fillRef>
+          <a:effectRef idx="0">
+            <a:schemeClr val="accent1"/>
+          </a:effectRef>
+          <a:fontRef idx="minor">
+            <a:schemeClr val="tx1"/>
+          </a:fontRef>
+        </p:style>
+        <p:txBody>
+          <a:bodyPr rtlCol="0" anchor="ctr"/>
+          <a:lstStyle/>
+          <a:p>
+            <a:pPr marL="0" marR="0" lvl="0" indent="0" algn="ctr" defTabSz="914400" rtl="0" eaLnBrk="1" fontAlgn="auto" latinLnBrk="0" hangingPunct="1">
+              <a:lnSpc>
+                <a:spcPct val="100000"/>
+              </a:lnSpc>
+              <a:spcBef>
+                <a:spcPts val="0"/>
+              </a:spcBef>
+              <a:spcAft>
+                <a:spcPts val="0"/>
+              </a:spcAft>
+              <a:buClrTx/>
+              <a:buSzTx/>
+              <a:buFontTx/>
+              <a:buNone/>
+              <a:tabLst/>
+              <a:defRPr/>
+            </a:pPr>
+            <a:endParaRPr kumimoji="0" lang="en-US" sz="1800" b="0" i="0" u="none" strike="noStrike" kern="1200" cap="none" spc="0" normalizeH="0" baseline="0" noProof="0">
+              <a:ln>
+                <a:noFill/>
+              </a:ln>
+              <a:solidFill>
+                <a:srgbClr val="000000"/>
+              </a:solidFill>
+              <a:effectLst/>
+              <a:uLnTx/>
+              <a:uFillTx/>
+              <a:latin typeface="Calibri" panose="020F0502020204030204"/>
+              <a:ea typeface="+mn-ea"/>
+              <a:cs typeface="+mn-cs"/>
+            </a:endParaRPr>
+          </a:p>
+        </p:txBody>
+      </p:sp>
+      <p:sp>
+        <p:nvSpPr>
+          <p:cNvPr id="2" name="Título 1">
+            <a:extLst>
+              <a:ext uri="{FF2B5EF4-FFF2-40B4-BE49-F238E27FC236}">
+                <a16:creationId xmlns:a16="http://schemas.microsoft.com/office/drawing/2014/main" id="{CA3F7024-406B-446D-85F1-3B8C8E90F64F}"/>
+              </a:ext>
+            </a:extLst>
+          </p:cNvPr>
+          <p:cNvSpPr>
+            <a:spLocks noGrp="1"/>
+          </p:cNvSpPr>
+          <p:nvPr>
+            <p:ph type="title"/>
+          </p:nvPr>
+        </p:nvSpPr>
+        <p:spPr>
+          <a:xfrm>
+            <a:off x="860742" y="1124988"/>
+            <a:ext cx="4425962" cy="2387600"/>
+          </a:xfrm>
+        </p:spPr>
+        <p:txBody>
+          <a:bodyPr vert="horz" lIns="91440" tIns="45720" rIns="91440" bIns="45720" rtlCol="0" anchor="b">
+            <a:normAutofit/>
+          </a:bodyPr>
+          <a:lstStyle/>
+          <a:p>
+            <a:r>
+              <a:rPr lang="en-US" sz="6000"/>
+              <a:t>Fim da apresentação</a:t>
+            </a:r>
+          </a:p>
+        </p:txBody>
+      </p:sp>
+      <p:pic>
+        <p:nvPicPr>
+          <p:cNvPr id="17" name="Picture 16">
+            <a:extLst>
+              <a:ext uri="{FF2B5EF4-FFF2-40B4-BE49-F238E27FC236}">
+                <a16:creationId xmlns:a16="http://schemas.microsoft.com/office/drawing/2014/main" id="{361387AF-3B99-462A-9AA4-9D7AFE9E794D}"/>
+              </a:ext>
+            </a:extLst>
+          </p:cNvPr>
+          <p:cNvPicPr>
+            <a:picLocks noChangeAspect="1"/>
+          </p:cNvPicPr>
+          <p:nvPr/>
+        </p:nvPicPr>
+        <p:blipFill>
+          <a:blip r:embed="rId2">
+            <a:extLst>
+              <a:ext uri="{28A0092B-C50C-407E-A947-70E740481C1C}">
+                <a14:useLocalDpi xmlns:a14="http://schemas.microsoft.com/office/drawing/2010/main" val="0"/>
+              </a:ext>
+            </a:extLst>
+          </a:blip>
+          <a:stretch/>
+        </p:blipFill>
+        <p:spPr>
+          <a:xfrm>
+            <a:off x="6975675" y="264885"/>
+            <a:ext cx="5175953" cy="5182049"/>
+          </a:xfrm>
+          <a:custGeom>
+            <a:avLst/>
+            <a:gdLst/>
+            <a:ahLst/>
+            <a:cxnLst/>
+            <a:rect l="l" t="t" r="r" b="b"/>
+            <a:pathLst>
+              <a:path w="6458232" h="6858001">
+                <a:moveTo>
+                  <a:pt x="2209000" y="0"/>
+                </a:moveTo>
+                <a:lnTo>
+                  <a:pt x="6458232" y="0"/>
+                </a:lnTo>
+                <a:lnTo>
+                  <a:pt x="6458232" y="6858001"/>
+                </a:lnTo>
+                <a:lnTo>
+                  <a:pt x="651045" y="6858001"/>
+                </a:lnTo>
+                <a:lnTo>
+                  <a:pt x="635146" y="6830200"/>
+                </a:lnTo>
+                <a:cubicBezTo>
+                  <a:pt x="230085" y="6080469"/>
+                  <a:pt x="0" y="5221296"/>
+                  <a:pt x="0" y="4308089"/>
+                </a:cubicBezTo>
+                <a:cubicBezTo>
+                  <a:pt x="0" y="2572997"/>
+                  <a:pt x="830606" y="1032965"/>
+                  <a:pt x="2113832" y="68046"/>
+                </a:cubicBezTo>
+                <a:close/>
+              </a:path>
+            </a:pathLst>
+          </a:custGeom>
+          <a:effectLst>
+            <a:reflection stA="99000" endPos="65000" dist="50800" dir="5400000" sy="-100000" algn="bl" rotWithShape="0"/>
+          </a:effectLst>
+        </p:spPr>
+      </p:pic>
+      <p:sp>
+        <p:nvSpPr>
+          <p:cNvPr id="27" name="Rectangle 26">
+            <a:extLst>
+              <a:ext uri="{FF2B5EF4-FFF2-40B4-BE49-F238E27FC236}">
+                <a16:creationId xmlns:a16="http://schemas.microsoft.com/office/drawing/2014/main" id="{95106A28-883A-4993-BF9E-C403B81A8D66}"/>
+              </a:ext>
+              <a:ext uri="{C183D7F6-B498-43B3-948B-1728B52AA6E4}">
+                <adec:decorative xmlns:adec="http://schemas.microsoft.com/office/drawing/2017/decorative" val="1"/>
+              </a:ext>
+            </a:extLst>
+          </p:cNvPr>
+          <p:cNvSpPr>
+            <a:spLocks noGrp="1" noRot="1" noChangeAspect="1" noMove="1" noResize="1" noEditPoints="1" noAdjustHandles="1" noChangeArrowheads="1" noChangeShapeType="1" noTextEdit="1"/>
+          </p:cNvSpPr>
+          <p:nvPr>
+            <p:extLst>
+              <p:ext uri="{386F3935-93C4-4BCD-93E2-E3B085C9AB24}">
+                <p16:designElem xmlns:p16="http://schemas.microsoft.com/office/powerpoint/2015/main" val="1"/>
+              </p:ext>
+            </p:extLst>
+          </p:nvPr>
+        </p:nvSpPr>
+        <p:spPr>
+          <a:xfrm>
+            <a:off x="5394269" y="4274457"/>
+            <a:ext cx="825256" cy="825256"/>
+          </a:xfrm>
+          <a:prstGeom prst="rect">
+            <a:avLst/>
+          </a:prstGeom>
+          <a:noFill/>
+          <a:ln w="127000">
+            <a:solidFill>
+              <a:schemeClr val="accent6"/>
+            </a:solidFill>
+            <a:round/>
+          </a:ln>
+        </p:spPr>
+        <p:style>
+          <a:lnRef idx="2">
+            <a:schemeClr val="accent1">
+              <a:shade val="50000"/>
+            </a:schemeClr>
+          </a:lnRef>
+          <a:fillRef idx="1">
+            <a:schemeClr val="accent1"/>
+          </a:fillRef>
+          <a:effectRef idx="0">
+            <a:schemeClr val="accent1"/>
+          </a:effectRef>
+          <a:fontRef idx="minor">
+            <a:schemeClr val="lt1"/>
+          </a:fontRef>
+        </p:style>
+        <p:txBody>
+          <a:bodyPr rtlCol="0" anchor="ctr"/>
+          <a:lstStyle/>
+          <a:p>
+            <a:pPr marL="0" marR="0" lvl="0" indent="0" algn="ctr" defTabSz="914400" rtl="0" eaLnBrk="1" fontAlgn="auto" latinLnBrk="0" hangingPunct="1">
+              <a:lnSpc>
+                <a:spcPct val="100000"/>
+              </a:lnSpc>
+              <a:spcBef>
+                <a:spcPts val="0"/>
+              </a:spcBef>
+              <a:spcAft>
+                <a:spcPts val="0"/>
+              </a:spcAft>
+              <a:buClrTx/>
+              <a:buSzTx/>
+              <a:buFontTx/>
+              <a:buNone/>
+              <a:tabLst/>
+              <a:defRPr/>
+            </a:pPr>
+            <a:endParaRPr kumimoji="0" lang="en-US" sz="1800" b="0" i="0" u="none" strike="noStrike" kern="1200" cap="none" spc="0" normalizeH="0" baseline="0" noProof="0">
+              <a:ln>
+                <a:noFill/>
+              </a:ln>
+              <a:solidFill>
+                <a:srgbClr val="FFFFFF"/>
+              </a:solidFill>
+              <a:effectLst/>
+              <a:uLnTx/>
+              <a:uFillTx/>
+              <a:latin typeface="Calibri" panose="020F0502020204030204"/>
+              <a:ea typeface="+mn-ea"/>
+              <a:cs typeface="+mn-cs"/>
+            </a:endParaRPr>
+          </a:p>
+        </p:txBody>
+      </p:sp>
+      <p:sp>
+        <p:nvSpPr>
+          <p:cNvPr id="29" name="Oval 28">
+            <a:extLst>
+              <a:ext uri="{FF2B5EF4-FFF2-40B4-BE49-F238E27FC236}">
+                <a16:creationId xmlns:a16="http://schemas.microsoft.com/office/drawing/2014/main" id="{F5AE4E4F-9F4C-43ED-8299-9BD63B74E8F0}"/>
+              </a:ext>
+              <a:ext uri="{C183D7F6-B498-43B3-948B-1728B52AA6E4}">
+                <adec:decorative xmlns:adec="http://schemas.microsoft.com/office/drawing/2017/decorative" val="1"/>
+              </a:ext>
+            </a:extLst>
+          </p:cNvPr>
+          <p:cNvSpPr>
+            <a:spLocks noGrp="1" noRot="1" noChangeAspect="1" noMove="1" noResize="1" noEditPoints="1" noAdjustHandles="1" noChangeArrowheads="1" noChangeShapeType="1" noTextEdit="1"/>
+          </p:cNvSpPr>
+          <p:nvPr>
+            <p:extLst>
+              <p:ext uri="{386F3935-93C4-4BCD-93E2-E3B085C9AB24}">
+                <p16:designElem xmlns:p16="http://schemas.microsoft.com/office/powerpoint/2015/main" val="1"/>
+              </p:ext>
+            </p:extLst>
+          </p:nvPr>
+        </p:nvSpPr>
+        <p:spPr>
+          <a:xfrm>
+            <a:off x="860742" y="5649686"/>
+            <a:ext cx="546100" cy="546100"/>
+          </a:xfrm>
+          <a:prstGeom prst="ellipse">
+            <a:avLst/>
+          </a:prstGeom>
+          <a:solidFill>
+            <a:schemeClr val="accent5"/>
+          </a:solidFill>
+          <a:ln>
+            <a:noFill/>
+          </a:ln>
+        </p:spPr>
+        <p:style>
+          <a:lnRef idx="2">
+            <a:schemeClr val="accent1">
+              <a:shade val="50000"/>
+            </a:schemeClr>
+          </a:lnRef>
+          <a:fillRef idx="1">
+            <a:schemeClr val="accent1"/>
+          </a:fillRef>
+          <a:effectRef idx="0">
+            <a:schemeClr val="accent1"/>
+          </a:effectRef>
+          <a:fontRef idx="minor">
+            <a:schemeClr val="lt1"/>
+          </a:fontRef>
+        </p:style>
+        <p:txBody>
+          <a:bodyPr rtlCol="0" anchor="ctr"/>
+          <a:lstStyle/>
+          <a:p>
+            <a:pPr marL="0" marR="0" lvl="0" indent="0" algn="ctr" defTabSz="914400" rtl="0" eaLnBrk="1" fontAlgn="auto" latinLnBrk="0" hangingPunct="1">
+              <a:lnSpc>
+                <a:spcPct val="100000"/>
+              </a:lnSpc>
+              <a:spcBef>
+                <a:spcPts val="0"/>
+              </a:spcBef>
+              <a:spcAft>
+                <a:spcPts val="0"/>
+              </a:spcAft>
+              <a:buClrTx/>
+              <a:buSzTx/>
+              <a:buFontTx/>
+              <a:buNone/>
+              <a:tabLst/>
+              <a:defRPr/>
+            </a:pPr>
+            <a:endParaRPr kumimoji="0" lang="en-US" sz="1800" b="0" i="0" u="none" strike="noStrike" kern="1200" cap="none" spc="0" normalizeH="0" baseline="0" noProof="0" dirty="0">
+              <a:ln>
+                <a:noFill/>
+              </a:ln>
+              <a:solidFill>
+                <a:srgbClr val="FFFFFF"/>
+              </a:solidFill>
+              <a:effectLst/>
+              <a:uLnTx/>
+              <a:uFillTx/>
+              <a:latin typeface="Calibri" panose="020F0502020204030204"/>
+              <a:ea typeface="+mn-ea"/>
+              <a:cs typeface="+mn-cs"/>
+            </a:endParaRPr>
+          </a:p>
+        </p:txBody>
+      </p:sp>
+    </p:spTree>
+    <p:extLst>
+      <p:ext uri="{BB962C8B-B14F-4D97-AF65-F5344CB8AC3E}">
+        <p14:creationId xmlns:p14="http://schemas.microsoft.com/office/powerpoint/2010/main" val="1233995293"/>
       </p:ext>
     </p:extLst>
   </p:cSld>
